--- a/lending_club.pptx
+++ b/lending_club.pptx
@@ -9,7 +9,14 @@
     <p:sldId id="301" r:id="rId6"/>
     <p:sldId id="302" r:id="rId7"/>
     <p:sldId id="303" r:id="rId8"/>
-    <p:sldId id="300" r:id="rId9"/>
+    <p:sldId id="304" r:id="rId9"/>
+    <p:sldId id="310" r:id="rId10"/>
+    <p:sldId id="309" r:id="rId11"/>
+    <p:sldId id="305" r:id="rId12"/>
+    <p:sldId id="311" r:id="rId13"/>
+    <p:sldId id="313" r:id="rId14"/>
+    <p:sldId id="312" r:id="rId15"/>
+    <p:sldId id="307" r:id="rId16"/>
   </p:sldIdLst>
   <p:sldSz cx="12192000" cy="6858000"/>
   <p:notesSz cx="6858000" cy="9144000"/>
@@ -121,7 +128,14 @@
             <p14:sldId id="301"/>
             <p14:sldId id="302"/>
             <p14:sldId id="303"/>
-            <p14:sldId id="300"/>
+            <p14:sldId id="304"/>
+            <p14:sldId id="310"/>
+            <p14:sldId id="309"/>
+            <p14:sldId id="305"/>
+            <p14:sldId id="311"/>
+            <p14:sldId id="313"/>
+            <p14:sldId id="312"/>
+            <p14:sldId id="307"/>
           </p14:sldIdLst>
         </p14:section>
       </p14:sectionLst>
@@ -3647,7 +3661,7 @@
             </a:pPr>
             <a:r>
               <a:rPr lang="en-US" sz="1600" dirty="0"/>
-              <a:t>Risk Assessment</a:t>
+              <a:t>Portfolio &amp; Risk Assessment</a:t>
             </a:r>
           </a:p>
         </p:txBody>
@@ -3770,6 +3784,758 @@
   </p:cSld>
   <p:clrMapOvr>
     <a:overrideClrMapping bg1="dk1" tx1="lt1" bg2="dk2" tx2="lt2" accent1="accent1" accent2="accent2" accent3="accent3" accent4="accent4" accent5="accent5" accent6="accent6" hlink="hlink" folHlink="folHlink"/>
+  </p:clrMapOvr>
+</p:sld>
+</file>
+
+<file path=ppt/slides/slide10.xml><?xml version="1.0" encoding="utf-8"?>
+<p:sld xmlns:a="http://schemas.openxmlformats.org/drawingml/2006/main" xmlns:r="http://schemas.openxmlformats.org/officeDocument/2006/relationships" xmlns:p="http://schemas.openxmlformats.org/presentationml/2006/main">
+  <p:cSld>
+    <p:spTree>
+      <p:nvGrpSpPr>
+        <p:cNvPr id="1" name=""/>
+        <p:cNvGrpSpPr/>
+        <p:nvPr/>
+      </p:nvGrpSpPr>
+      <p:grpSpPr>
+        <a:xfrm>
+          <a:off x="0" y="0"/>
+          <a:ext cx="0" cy="0"/>
+          <a:chOff x="0" y="0"/>
+          <a:chExt cx="0" cy="0"/>
+        </a:xfrm>
+      </p:grpSpPr>
+      <p:sp>
+        <p:nvSpPr>
+          <p:cNvPr id="2" name="Title 1">
+            <a:extLst>
+              <a:ext uri="{FF2B5EF4-FFF2-40B4-BE49-F238E27FC236}">
+                <a16:creationId xmlns:a16="http://schemas.microsoft.com/office/drawing/2014/main" id="{6927717E-E616-BBBF-2C5D-F69EF8CBC8A5}"/>
+              </a:ext>
+            </a:extLst>
+          </p:cNvPr>
+          <p:cNvSpPr>
+            <a:spLocks noGrp="1"/>
+          </p:cNvSpPr>
+          <p:nvPr>
+            <p:ph type="title"/>
+          </p:nvPr>
+        </p:nvSpPr>
+        <p:spPr/>
+        <p:txBody>
+          <a:bodyPr/>
+          <a:lstStyle/>
+          <a:p>
+            <a:r>
+              <a:rPr lang="en-US" dirty="0"/>
+              <a:t>Bivariate Analysis - Insights</a:t>
+            </a:r>
+          </a:p>
+        </p:txBody>
+      </p:sp>
+      <p:sp>
+        <p:nvSpPr>
+          <p:cNvPr id="3" name="Content Placeholder 2">
+            <a:extLst>
+              <a:ext uri="{FF2B5EF4-FFF2-40B4-BE49-F238E27FC236}">
+                <a16:creationId xmlns:a16="http://schemas.microsoft.com/office/drawing/2014/main" id="{BBA8BE73-6C34-9478-B78D-3B36823ED8BF}"/>
+              </a:ext>
+            </a:extLst>
+          </p:cNvPr>
+          <p:cNvSpPr>
+            <a:spLocks noGrp="1"/>
+          </p:cNvSpPr>
+          <p:nvPr>
+            <p:ph idx="1"/>
+          </p:nvPr>
+        </p:nvSpPr>
+        <p:spPr>
+          <a:xfrm>
+            <a:off x="1036320" y="4644557"/>
+            <a:ext cx="10058400" cy="1247073"/>
+          </a:xfrm>
+        </p:spPr>
+        <p:txBody>
+          <a:bodyPr>
+            <a:normAutofit fontScale="77500" lnSpcReduction="20000"/>
+          </a:bodyPr>
+          <a:lstStyle/>
+          <a:p>
+            <a:pPr>
+              <a:buFont typeface="Wingdings" panose="05000000000000000000" pitchFamily="2" charset="2"/>
+              <a:buChar char="Ø"/>
+            </a:pPr>
+            <a:r>
+              <a:rPr lang="en-US" b="0" dirty="0">
+                <a:solidFill>
+                  <a:schemeClr val="tx1"/>
+                </a:solidFill>
+                <a:effectLst/>
+              </a:rPr>
+              <a:t>Grade G tops the Charged Off percentage</a:t>
+            </a:r>
+          </a:p>
+          <a:p>
+            <a:pPr>
+              <a:buFont typeface="Wingdings" panose="05000000000000000000" pitchFamily="2" charset="2"/>
+              <a:buChar char="Ø"/>
+            </a:pPr>
+            <a:r>
+              <a:rPr lang="en-US" b="0" dirty="0">
+                <a:solidFill>
+                  <a:schemeClr val="tx1"/>
+                </a:solidFill>
+                <a:effectLst/>
+              </a:rPr>
+              <a:t>Small business has higher number of Charged Off loans and earlier we noticed this has higher interest rates as well.</a:t>
+            </a:r>
+          </a:p>
+          <a:p>
+            <a:pPr>
+              <a:buFont typeface="Wingdings" panose="05000000000000000000" pitchFamily="2" charset="2"/>
+              <a:buChar char="Ø"/>
+            </a:pPr>
+            <a:r>
+              <a:rPr lang="en-US" b="0" dirty="0">
+                <a:solidFill>
+                  <a:schemeClr val="tx1"/>
+                </a:solidFill>
+                <a:effectLst/>
+              </a:rPr>
+              <a:t>People with bankruptcies majorly took loan for debt consolidation &amp; credit card</a:t>
+            </a:r>
+          </a:p>
+          <a:p>
+            <a:pPr>
+              <a:buFont typeface="Wingdings" panose="05000000000000000000" pitchFamily="2" charset="2"/>
+              <a:buChar char="Ø"/>
+            </a:pPr>
+            <a:endParaRPr lang="en-US" b="0" dirty="0">
+              <a:solidFill>
+                <a:schemeClr val="tx1"/>
+              </a:solidFill>
+              <a:effectLst/>
+            </a:endParaRPr>
+          </a:p>
+          <a:p>
+            <a:pPr>
+              <a:buFont typeface="Wingdings" panose="05000000000000000000" pitchFamily="2" charset="2"/>
+              <a:buChar char="Ø"/>
+            </a:pPr>
+            <a:endParaRPr lang="en-US" b="0" dirty="0">
+              <a:solidFill>
+                <a:schemeClr val="tx1"/>
+              </a:solidFill>
+              <a:effectLst/>
+            </a:endParaRPr>
+          </a:p>
+          <a:p>
+            <a:endParaRPr lang="en-US" dirty="0"/>
+          </a:p>
+        </p:txBody>
+      </p:sp>
+      <p:pic>
+        <p:nvPicPr>
+          <p:cNvPr id="5" name="Picture 4">
+            <a:extLst>
+              <a:ext uri="{FF2B5EF4-FFF2-40B4-BE49-F238E27FC236}">
+                <a16:creationId xmlns:a16="http://schemas.microsoft.com/office/drawing/2014/main" id="{E8F5F9E6-0A8A-5902-3736-8781CBB2A7A3}"/>
+              </a:ext>
+            </a:extLst>
+          </p:cNvPr>
+          <p:cNvPicPr>
+            <a:picLocks noChangeAspect="1"/>
+          </p:cNvPicPr>
+          <p:nvPr/>
+        </p:nvPicPr>
+        <p:blipFill>
+          <a:blip r:embed="rId2"/>
+          <a:stretch>
+            <a:fillRect/>
+          </a:stretch>
+        </p:blipFill>
+        <p:spPr>
+          <a:xfrm>
+            <a:off x="521217" y="1987169"/>
+            <a:ext cx="3601376" cy="2230250"/>
+          </a:xfrm>
+          <a:prstGeom prst="rect">
+            <a:avLst/>
+          </a:prstGeom>
+        </p:spPr>
+      </p:pic>
+      <p:pic>
+        <p:nvPicPr>
+          <p:cNvPr id="8" name="Picture 7">
+            <a:extLst>
+              <a:ext uri="{FF2B5EF4-FFF2-40B4-BE49-F238E27FC236}">
+                <a16:creationId xmlns:a16="http://schemas.microsoft.com/office/drawing/2014/main" id="{C56C1B15-37C1-0960-6BF7-17E311918A0A}"/>
+              </a:ext>
+            </a:extLst>
+          </p:cNvPr>
+          <p:cNvPicPr>
+            <a:picLocks noChangeAspect="1"/>
+          </p:cNvPicPr>
+          <p:nvPr/>
+        </p:nvPicPr>
+        <p:blipFill>
+          <a:blip r:embed="rId3"/>
+          <a:stretch>
+            <a:fillRect/>
+          </a:stretch>
+        </p:blipFill>
+        <p:spPr>
+          <a:xfrm>
+            <a:off x="3774237" y="2055661"/>
+            <a:ext cx="3774095" cy="2270594"/>
+          </a:xfrm>
+          <a:prstGeom prst="rect">
+            <a:avLst/>
+          </a:prstGeom>
+        </p:spPr>
+      </p:pic>
+      <p:pic>
+        <p:nvPicPr>
+          <p:cNvPr id="10" name="Picture 9">
+            <a:extLst>
+              <a:ext uri="{FF2B5EF4-FFF2-40B4-BE49-F238E27FC236}">
+                <a16:creationId xmlns:a16="http://schemas.microsoft.com/office/drawing/2014/main" id="{F1952871-81FE-199B-7775-C62F022B58A3}"/>
+              </a:ext>
+            </a:extLst>
+          </p:cNvPr>
+          <p:cNvPicPr>
+            <a:picLocks noChangeAspect="1"/>
+          </p:cNvPicPr>
+          <p:nvPr/>
+        </p:nvPicPr>
+        <p:blipFill rotWithShape="1">
+          <a:blip r:embed="rId4"/>
+          <a:srcRect r="11095"/>
+          <a:stretch/>
+        </p:blipFill>
+        <p:spPr>
+          <a:xfrm>
+            <a:off x="7581355" y="1987169"/>
+            <a:ext cx="4610645" cy="2838450"/>
+          </a:xfrm>
+          <a:prstGeom prst="rect">
+            <a:avLst/>
+          </a:prstGeom>
+        </p:spPr>
+      </p:pic>
+    </p:spTree>
+    <p:extLst>
+      <p:ext uri="{BB962C8B-B14F-4D97-AF65-F5344CB8AC3E}">
+        <p14:creationId xmlns:p14="http://schemas.microsoft.com/office/powerpoint/2010/main" val="4161416510"/>
+      </p:ext>
+    </p:extLst>
+  </p:cSld>
+  <p:clrMapOvr>
+    <a:masterClrMapping/>
+  </p:clrMapOvr>
+</p:sld>
+</file>
+
+<file path=ppt/slides/slide11.xml><?xml version="1.0" encoding="utf-8"?>
+<p:sld xmlns:a="http://schemas.openxmlformats.org/drawingml/2006/main" xmlns:r="http://schemas.openxmlformats.org/officeDocument/2006/relationships" xmlns:p="http://schemas.openxmlformats.org/presentationml/2006/main">
+  <p:cSld>
+    <p:bg>
+      <p:bgPr>
+        <a:solidFill>
+          <a:schemeClr val="bg1"/>
+        </a:solidFill>
+        <a:effectLst/>
+      </p:bgPr>
+    </p:bg>
+    <p:spTree>
+      <p:nvGrpSpPr>
+        <p:cNvPr id="1" name=""/>
+        <p:cNvGrpSpPr/>
+        <p:nvPr/>
+      </p:nvGrpSpPr>
+      <p:grpSpPr>
+        <a:xfrm>
+          <a:off x="0" y="0"/>
+          <a:ext cx="0" cy="0"/>
+          <a:chOff x="0" y="0"/>
+          <a:chExt cx="0" cy="0"/>
+        </a:xfrm>
+      </p:grpSpPr>
+      <p:sp useBgFill="1">
+        <p:nvSpPr>
+          <p:cNvPr id="36" name="Rectangle 35">
+            <a:extLst>
+              <a:ext uri="{FF2B5EF4-FFF2-40B4-BE49-F238E27FC236}">
+                <a16:creationId xmlns:a16="http://schemas.microsoft.com/office/drawing/2014/main" id="{69426B45-4C4F-4D52-8537-76E9A5B89E2F}"/>
+              </a:ext>
+              <a:ext uri="{C183D7F6-B498-43B3-948B-1728B52AA6E4}">
+                <adec:decorative xmlns:adec="http://schemas.microsoft.com/office/drawing/2017/decorative" val="1"/>
+              </a:ext>
+            </a:extLst>
+          </p:cNvPr>
+          <p:cNvSpPr>
+            <a:spLocks noGrp="1" noRot="1" noChangeAspect="1" noMove="1" noResize="1" noEditPoints="1" noAdjustHandles="1" noChangeArrowheads="1" noChangeShapeType="1" noTextEdit="1"/>
+          </p:cNvSpPr>
+          <p:nvPr>
+            <p:extLst>
+              <p:ext uri="{386F3935-93C4-4BCD-93E2-E3B085C9AB24}">
+                <p16:designElem xmlns:p16="http://schemas.microsoft.com/office/powerpoint/2015/main" val="1"/>
+              </p:ext>
+            </p:extLst>
+          </p:nvPr>
+        </p:nvSpPr>
+        <p:spPr>
+          <a:xfrm>
+            <a:off x="0" y="0"/>
+            <a:ext cx="12192000" cy="6858000"/>
+          </a:xfrm>
+          <a:prstGeom prst="rect">
+            <a:avLst/>
+          </a:prstGeom>
+          <a:ln>
+            <a:noFill/>
+          </a:ln>
+        </p:spPr>
+        <p:style>
+          <a:lnRef idx="2">
+            <a:schemeClr val="accent1">
+              <a:shade val="50000"/>
+            </a:schemeClr>
+          </a:lnRef>
+          <a:fillRef idx="1">
+            <a:schemeClr val="accent1"/>
+          </a:fillRef>
+          <a:effectRef idx="0">
+            <a:schemeClr val="accent1"/>
+          </a:effectRef>
+          <a:fontRef idx="minor">
+            <a:schemeClr val="lt1"/>
+          </a:fontRef>
+        </p:style>
+        <p:txBody>
+          <a:bodyPr rtlCol="0" anchor="ctr"/>
+          <a:lstStyle/>
+          <a:p>
+            <a:pPr algn="ctr"/>
+            <a:endParaRPr lang="en-US"/>
+          </a:p>
+        </p:txBody>
+      </p:sp>
+      <p:sp>
+        <p:nvSpPr>
+          <p:cNvPr id="2" name="Title 1">
+            <a:extLst>
+              <a:ext uri="{FF2B5EF4-FFF2-40B4-BE49-F238E27FC236}">
+                <a16:creationId xmlns:a16="http://schemas.microsoft.com/office/drawing/2014/main" id="{DF74B715-C0AD-9B80-A750-B8D3B80F8833}"/>
+              </a:ext>
+            </a:extLst>
+          </p:cNvPr>
+          <p:cNvSpPr>
+            <a:spLocks noGrp="1"/>
+          </p:cNvSpPr>
+          <p:nvPr>
+            <p:ph type="title"/>
+          </p:nvPr>
+        </p:nvSpPr>
+        <p:spPr>
+          <a:xfrm>
+            <a:off x="1036320" y="286603"/>
+            <a:ext cx="10058400" cy="1450757"/>
+          </a:xfrm>
+        </p:spPr>
+        <p:txBody>
+          <a:bodyPr>
+            <a:normAutofit/>
+          </a:bodyPr>
+          <a:lstStyle/>
+          <a:p>
+            <a:r>
+              <a:rPr lang="en-US" dirty="0"/>
+              <a:t>Multivariate Analysis</a:t>
+            </a:r>
+          </a:p>
+        </p:txBody>
+      </p:sp>
+      <p:cxnSp>
+        <p:nvCxnSpPr>
+          <p:cNvPr id="38" name="Straight Connector 37">
+            <a:extLst>
+              <a:ext uri="{FF2B5EF4-FFF2-40B4-BE49-F238E27FC236}">
+                <a16:creationId xmlns:a16="http://schemas.microsoft.com/office/drawing/2014/main" id="{CF117E1C-E964-4433-B1A8-BB2301D0FF14}"/>
+              </a:ext>
+              <a:ext uri="{C183D7F6-B498-43B3-948B-1728B52AA6E4}">
+                <adec:decorative xmlns:adec="http://schemas.microsoft.com/office/drawing/2017/decorative" val="1"/>
+              </a:ext>
+            </a:extLst>
+          </p:cNvPr>
+          <p:cNvCxnSpPr>
+            <a:cxnSpLocks noGrp="1" noRot="1" noChangeAspect="1" noMove="1" noResize="1" noEditPoints="1" noAdjustHandles="1" noChangeArrowheads="1" noChangeShapeType="1"/>
+          </p:cNvCxnSpPr>
+          <p:nvPr>
+            <p:extLst>
+              <p:ext uri="{386F3935-93C4-4BCD-93E2-E3B085C9AB24}">
+                <p16:designElem xmlns:p16="http://schemas.microsoft.com/office/powerpoint/2015/main" val="1"/>
+              </p:ext>
+            </p:extLst>
+          </p:nvPr>
+        </p:nvCxnSpPr>
+        <p:spPr>
+          <a:xfrm>
+            <a:off x="1193532" y="1897380"/>
+            <a:ext cx="9966960" cy="0"/>
+          </a:xfrm>
+          <a:prstGeom prst="line">
+            <a:avLst/>
+          </a:prstGeom>
+          <a:ln w="12700">
+            <a:solidFill>
+              <a:schemeClr val="tx1">
+                <a:lumMod val="75000"/>
+                <a:lumOff val="25000"/>
+              </a:schemeClr>
+            </a:solidFill>
+          </a:ln>
+        </p:spPr>
+        <p:style>
+          <a:lnRef idx="1">
+            <a:schemeClr val="accent1"/>
+          </a:lnRef>
+          <a:fillRef idx="0">
+            <a:schemeClr val="accent1"/>
+          </a:fillRef>
+          <a:effectRef idx="0">
+            <a:schemeClr val="accent1"/>
+          </a:effectRef>
+          <a:fontRef idx="minor">
+            <a:schemeClr val="tx1"/>
+          </a:fontRef>
+        </p:style>
+      </p:cxnSp>
+      <p:pic>
+        <p:nvPicPr>
+          <p:cNvPr id="5" name="Picture 4">
+            <a:extLst>
+              <a:ext uri="{FF2B5EF4-FFF2-40B4-BE49-F238E27FC236}">
+                <a16:creationId xmlns:a16="http://schemas.microsoft.com/office/drawing/2014/main" id="{62B4C158-32AD-5382-B484-0D6793DD51A9}"/>
+              </a:ext>
+            </a:extLst>
+          </p:cNvPr>
+          <p:cNvPicPr>
+            <a:picLocks noChangeAspect="1"/>
+          </p:cNvPicPr>
+          <p:nvPr/>
+        </p:nvPicPr>
+        <p:blipFill rotWithShape="1">
+          <a:blip r:embed="rId2"/>
+          <a:srcRect r="-5" b="2147"/>
+          <a:stretch/>
+        </p:blipFill>
+        <p:spPr>
+          <a:xfrm>
+            <a:off x="696544" y="2057401"/>
+            <a:ext cx="3495807" cy="3600613"/>
+          </a:xfrm>
+          <a:prstGeom prst="rect">
+            <a:avLst/>
+          </a:prstGeom>
+        </p:spPr>
+      </p:pic>
+      <p:sp>
+        <p:nvSpPr>
+          <p:cNvPr id="3" name="Content Placeholder 2">
+            <a:extLst>
+              <a:ext uri="{FF2B5EF4-FFF2-40B4-BE49-F238E27FC236}">
+                <a16:creationId xmlns:a16="http://schemas.microsoft.com/office/drawing/2014/main" id="{FCE30991-41C6-E646-4016-112884F0C872}"/>
+              </a:ext>
+            </a:extLst>
+          </p:cNvPr>
+          <p:cNvSpPr>
+            <a:spLocks noGrp="1"/>
+          </p:cNvSpPr>
+          <p:nvPr>
+            <p:ph idx="1"/>
+          </p:nvPr>
+        </p:nvSpPr>
+        <p:spPr>
+          <a:xfrm>
+            <a:off x="4192352" y="2108637"/>
+            <a:ext cx="7589918" cy="3709655"/>
+          </a:xfrm>
+        </p:spPr>
+        <p:txBody>
+          <a:bodyPr>
+            <a:normAutofit/>
+          </a:bodyPr>
+          <a:lstStyle/>
+          <a:p>
+            <a:pPr algn="just">
+              <a:buFont typeface="Wingdings" panose="05000000000000000000" pitchFamily="2" charset="2"/>
+              <a:buChar char="Ø"/>
+            </a:pPr>
+            <a:r>
+              <a:rPr lang="en-US" dirty="0"/>
+              <a:t>L</a:t>
+            </a:r>
+            <a:r>
+              <a:rPr lang="en-US" b="0" dirty="0">
+                <a:effectLst/>
+              </a:rPr>
+              <a:t>oan charge off have slightly positive correlation with term &amp;  interest rate </a:t>
+            </a:r>
+          </a:p>
+          <a:p>
+            <a:pPr algn="just">
+              <a:buFont typeface="Wingdings" panose="05000000000000000000" pitchFamily="2" charset="2"/>
+              <a:buChar char="Ø"/>
+            </a:pPr>
+            <a:r>
+              <a:rPr lang="en-US" dirty="0"/>
+              <a:t>Te</a:t>
+            </a:r>
+            <a:r>
+              <a:rPr lang="en-US" b="0" dirty="0">
+                <a:effectLst/>
+              </a:rPr>
+              <a:t>rm have positive correlation with funded amount &amp; interest rate</a:t>
+            </a:r>
+          </a:p>
+          <a:p>
+            <a:pPr algn="just">
+              <a:buFont typeface="Wingdings" panose="05000000000000000000" pitchFamily="2" charset="2"/>
+              <a:buChar char="Ø"/>
+            </a:pPr>
+            <a:r>
+              <a:rPr lang="en-US" b="0" dirty="0">
+                <a:effectLst/>
+              </a:rPr>
+              <a:t>Grade has positive correlation with Interest Rate, Term and Loan Status</a:t>
+            </a:r>
+          </a:p>
+          <a:p>
+            <a:pPr algn="just">
+              <a:buFont typeface="Wingdings" panose="05000000000000000000" pitchFamily="2" charset="2"/>
+              <a:buChar char="Ø"/>
+            </a:pPr>
+            <a:r>
+              <a:rPr lang="en-US" b="0" dirty="0">
+                <a:effectLst/>
+              </a:rPr>
+              <a:t> Revolving line utilization rate has positive correlation with Grade, Interest Rate and Debt to Income</a:t>
+            </a:r>
+          </a:p>
+          <a:p>
+            <a:pPr algn="just"/>
+            <a:endParaRPr lang="en-US" dirty="0"/>
+          </a:p>
+        </p:txBody>
+      </p:sp>
+      <p:sp>
+        <p:nvSpPr>
+          <p:cNvPr id="40" name="Rectangle 39">
+            <a:extLst>
+              <a:ext uri="{FF2B5EF4-FFF2-40B4-BE49-F238E27FC236}">
+                <a16:creationId xmlns:a16="http://schemas.microsoft.com/office/drawing/2014/main" id="{67E6FB20-7663-466F-A928-9371C34F955C}"/>
+              </a:ext>
+              <a:ext uri="{C183D7F6-B498-43B3-948B-1728B52AA6E4}">
+                <adec:decorative xmlns:adec="http://schemas.microsoft.com/office/drawing/2017/decorative" val="1"/>
+              </a:ext>
+            </a:extLst>
+          </p:cNvPr>
+          <p:cNvSpPr>
+            <a:spLocks noGrp="1" noRot="1" noChangeAspect="1" noMove="1" noResize="1" noEditPoints="1" noAdjustHandles="1" noChangeArrowheads="1" noChangeShapeType="1" noTextEdit="1"/>
+          </p:cNvSpPr>
+          <p:nvPr>
+            <p:extLst>
+              <p:ext uri="{386F3935-93C4-4BCD-93E2-E3B085C9AB24}">
+                <p16:designElem xmlns:p16="http://schemas.microsoft.com/office/powerpoint/2015/main" val="1"/>
+              </p:ext>
+            </p:extLst>
+          </p:nvPr>
+        </p:nvSpPr>
+        <p:spPr>
+          <a:xfrm>
+            <a:off x="0" y="6400800"/>
+            <a:ext cx="12194275" cy="457200"/>
+          </a:xfrm>
+          <a:prstGeom prst="rect">
+            <a:avLst/>
+          </a:prstGeom>
+          <a:solidFill>
+            <a:srgbClr val="262626"/>
+          </a:solidFill>
+          <a:ln>
+            <a:noFill/>
+          </a:ln>
+        </p:spPr>
+        <p:style>
+          <a:lnRef idx="2">
+            <a:schemeClr val="accent1">
+              <a:shade val="50000"/>
+            </a:schemeClr>
+          </a:lnRef>
+          <a:fillRef idx="1">
+            <a:schemeClr val="accent1"/>
+          </a:fillRef>
+          <a:effectRef idx="0">
+            <a:schemeClr val="accent1"/>
+          </a:effectRef>
+          <a:fontRef idx="minor">
+            <a:schemeClr val="lt1"/>
+          </a:fontRef>
+        </p:style>
+      </p:sp>
+    </p:spTree>
+    <p:extLst>
+      <p:ext uri="{BB962C8B-B14F-4D97-AF65-F5344CB8AC3E}">
+        <p14:creationId xmlns:p14="http://schemas.microsoft.com/office/powerpoint/2010/main" val="3786264827"/>
+      </p:ext>
+    </p:extLst>
+  </p:cSld>
+  <p:clrMapOvr>
+    <a:masterClrMapping/>
+  </p:clrMapOvr>
+</p:sld>
+</file>
+
+<file path=ppt/slides/slide12.xml><?xml version="1.0" encoding="utf-8"?>
+<p:sld xmlns:a="http://schemas.openxmlformats.org/drawingml/2006/main" xmlns:r="http://schemas.openxmlformats.org/officeDocument/2006/relationships" xmlns:p="http://schemas.openxmlformats.org/presentationml/2006/main">
+  <p:cSld>
+    <p:spTree>
+      <p:nvGrpSpPr>
+        <p:cNvPr id="1" name=""/>
+        <p:cNvGrpSpPr/>
+        <p:nvPr/>
+      </p:nvGrpSpPr>
+      <p:grpSpPr>
+        <a:xfrm>
+          <a:off x="0" y="0"/>
+          <a:ext cx="0" cy="0"/>
+          <a:chOff x="0" y="0"/>
+          <a:chExt cx="0" cy="0"/>
+        </a:xfrm>
+      </p:grpSpPr>
+      <p:sp>
+        <p:nvSpPr>
+          <p:cNvPr id="2" name="Title 1">
+            <a:extLst>
+              <a:ext uri="{FF2B5EF4-FFF2-40B4-BE49-F238E27FC236}">
+                <a16:creationId xmlns:a16="http://schemas.microsoft.com/office/drawing/2014/main" id="{1FD23A8E-D391-AC43-CD05-659E55DE5507}"/>
+              </a:ext>
+            </a:extLst>
+          </p:cNvPr>
+          <p:cNvSpPr>
+            <a:spLocks noGrp="1"/>
+          </p:cNvSpPr>
+          <p:nvPr>
+            <p:ph type="title"/>
+          </p:nvPr>
+        </p:nvSpPr>
+        <p:spPr/>
+        <p:txBody>
+          <a:bodyPr/>
+          <a:lstStyle/>
+          <a:p>
+            <a:r>
+              <a:rPr lang="en-US" dirty="0"/>
+              <a:t>Summary and Recommendations </a:t>
+            </a:r>
+          </a:p>
+        </p:txBody>
+      </p:sp>
+      <p:sp>
+        <p:nvSpPr>
+          <p:cNvPr id="3" name="Content Placeholder 2">
+            <a:extLst>
+              <a:ext uri="{FF2B5EF4-FFF2-40B4-BE49-F238E27FC236}">
+                <a16:creationId xmlns:a16="http://schemas.microsoft.com/office/drawing/2014/main" id="{4A70C30E-4CC5-26F9-988B-CD662C7727B1}"/>
+              </a:ext>
+            </a:extLst>
+          </p:cNvPr>
+          <p:cNvSpPr>
+            <a:spLocks noGrp="1"/>
+          </p:cNvSpPr>
+          <p:nvPr>
+            <p:ph idx="1"/>
+          </p:nvPr>
+        </p:nvSpPr>
+        <p:spPr/>
+        <p:txBody>
+          <a:bodyPr/>
+          <a:lstStyle/>
+          <a:p>
+            <a:pPr>
+              <a:buFont typeface="Wingdings" panose="05000000000000000000" pitchFamily="2" charset="2"/>
+              <a:buChar char="Ø"/>
+            </a:pPr>
+            <a:r>
+              <a:rPr lang="en-US" dirty="0"/>
+              <a:t>Applicants with loan amount &lt;5K and &gt;13K have higher number of defaulting</a:t>
+            </a:r>
+          </a:p>
+          <a:p>
+            <a:pPr>
+              <a:buFont typeface="Wingdings" panose="05000000000000000000" pitchFamily="2" charset="2"/>
+              <a:buChar char="Ø"/>
+            </a:pPr>
+            <a:r>
+              <a:rPr lang="en-US" dirty="0"/>
+              <a:t>Applicants seeking loan for small business, debt consolidation, credit card seems to defaulting. </a:t>
+            </a:r>
+          </a:p>
+          <a:p>
+            <a:pPr>
+              <a:buFont typeface="Wingdings" panose="05000000000000000000" pitchFamily="2" charset="2"/>
+              <a:buChar char="Ø"/>
+            </a:pPr>
+            <a:r>
+              <a:rPr lang="en-US" dirty="0"/>
+              <a:t>High risk Grade G has higher number of defaulters.</a:t>
+            </a:r>
+          </a:p>
+          <a:p>
+            <a:pPr>
+              <a:buFont typeface="Wingdings" panose="05000000000000000000" pitchFamily="2" charset="2"/>
+              <a:buChar char="Ø"/>
+            </a:pPr>
+            <a:r>
+              <a:rPr lang="en-US" dirty="0"/>
+              <a:t>Defaulter Percentage is high in the high interest rates</a:t>
+            </a:r>
+          </a:p>
+          <a:p>
+            <a:pPr>
+              <a:buFont typeface="Wingdings" panose="05000000000000000000" pitchFamily="2" charset="2"/>
+              <a:buChar char="Ø"/>
+            </a:pPr>
+            <a:r>
+              <a:rPr lang="en-US" dirty="0"/>
+              <a:t>Recommendation -</a:t>
+            </a:r>
+          </a:p>
+          <a:p>
+            <a:pPr lvl="1">
+              <a:buFont typeface="Wingdings" panose="05000000000000000000" pitchFamily="2" charset="2"/>
+              <a:buChar char="Ø"/>
+            </a:pPr>
+            <a:r>
+              <a:rPr lang="en-US" dirty="0"/>
+              <a:t>Attributes like Loan Purpose, Interest Rate, Purpose, Loan Grade, Loan Amount, Loan Term, Revolving Utilization Rate and Public Bankruptcy Count have shown relationship with Charged Off</a:t>
+            </a:r>
+          </a:p>
+          <a:p>
+            <a:endParaRPr lang="en-US" dirty="0"/>
+          </a:p>
+        </p:txBody>
+      </p:sp>
+    </p:spTree>
+    <p:extLst>
+      <p:ext uri="{BB962C8B-B14F-4D97-AF65-F5344CB8AC3E}">
+        <p14:creationId xmlns:p14="http://schemas.microsoft.com/office/powerpoint/2010/main" val="3504424841"/>
+      </p:ext>
+    </p:extLst>
+  </p:cSld>
+  <p:clrMapOvr>
+    <a:masterClrMapping/>
   </p:clrMapOvr>
 </p:sld>
 </file>
@@ -4136,13 +4902,33 @@
             </a:r>
           </a:p>
           <a:p>
+            <a:pPr lvl="1">
+              <a:buFont typeface="Wingdings" panose="05000000000000000000" pitchFamily="2" charset="2"/>
+              <a:buChar char="q"/>
+            </a:pPr>
+            <a:r>
+              <a:rPr lang="en-US" dirty="0"/>
+              <a:t>Columns with sparse data and fields not directly related to the analysis</a:t>
+            </a:r>
+          </a:p>
+          <a:p>
             <a:pPr>
               <a:buFont typeface="Wingdings" panose="05000000000000000000" pitchFamily="2" charset="2"/>
               <a:buChar char="q"/>
             </a:pPr>
             <a:r>
               <a:rPr lang="en-US" dirty="0"/>
-              <a:t>Check if any data must be imputed </a:t>
+              <a:t>Identify potential imputation logics for columns with less missing value %</a:t>
+            </a:r>
+          </a:p>
+          <a:p>
+            <a:pPr lvl="1">
+              <a:buFont typeface="Wingdings" panose="05000000000000000000" pitchFamily="2" charset="2"/>
+              <a:buChar char="q"/>
+            </a:pPr>
+            <a:r>
+              <a:rPr lang="en-US" dirty="0"/>
+              <a:t>Employee Length had few values. Missing value has been replaced with 0 in the code. Other options are replaced it with mode ( in this case it would have been 10+)</a:t>
             </a:r>
           </a:p>
           <a:p>
@@ -4152,7 +4938,17 @@
             </a:pPr>
             <a:r>
               <a:rPr lang="en-US" dirty="0"/>
-              <a:t>Identification and Removal of outliers</a:t>
+              <a:t>Identification and removal of outliers</a:t>
+            </a:r>
+          </a:p>
+          <a:p>
+            <a:pPr lvl="1">
+              <a:buFont typeface="Wingdings" panose="05000000000000000000" pitchFamily="2" charset="2"/>
+              <a:buChar char="q"/>
+            </a:pPr>
+            <a:r>
+              <a:rPr lang="en-US" dirty="0"/>
+              <a:t>Applicants with more than 90% percentile removed for the analysis</a:t>
             </a:r>
           </a:p>
           <a:p>
@@ -4162,7 +4958,17 @@
             </a:pPr>
             <a:r>
               <a:rPr lang="en-US" dirty="0"/>
-              <a:t>Derive additional metrics/attributes</a:t>
+              <a:t>Derive additional metrics/attributes if any</a:t>
+            </a:r>
+          </a:p>
+          <a:p>
+            <a:pPr lvl="1">
+              <a:buFont typeface="Wingdings" panose="05000000000000000000" pitchFamily="2" charset="2"/>
+              <a:buChar char="q"/>
+            </a:pPr>
+            <a:r>
+              <a:rPr lang="en-US" dirty="0"/>
+              <a:t> segmentation for Interest Rate, Debt to Income, Charged Off % etc.</a:t>
             </a:r>
           </a:p>
           <a:p>
@@ -4208,12 +5014,72 @@
           <a:chExt cx="0" cy="0"/>
         </a:xfrm>
       </p:grpSpPr>
+      <p:sp useBgFill="1">
+        <p:nvSpPr>
+          <p:cNvPr id="16" name="Rectangle 15">
+            <a:extLst>
+              <a:ext uri="{FF2B5EF4-FFF2-40B4-BE49-F238E27FC236}">
+                <a16:creationId xmlns:a16="http://schemas.microsoft.com/office/drawing/2014/main" id="{0A913F90-4522-4E66-98B7-DC02FD8BBE9F}"/>
+              </a:ext>
+              <a:ext uri="{C183D7F6-B498-43B3-948B-1728B52AA6E4}">
+                <adec:decorative xmlns:adec="http://schemas.microsoft.com/office/drawing/2017/decorative" val="1"/>
+              </a:ext>
+            </a:extLst>
+          </p:cNvPr>
+          <p:cNvSpPr>
+            <a:spLocks noGrp="1" noRot="1" noChangeAspect="1" noMove="1" noResize="1" noEditPoints="1" noAdjustHandles="1" noChangeArrowheads="1" noChangeShapeType="1" noTextEdit="1"/>
+          </p:cNvSpPr>
+          <p:nvPr>
+            <p:extLst>
+              <p:ext uri="{386F3935-93C4-4BCD-93E2-E3B085C9AB24}">
+                <p16:designElem xmlns:p16="http://schemas.microsoft.com/office/powerpoint/2015/main" val="1"/>
+              </p:ext>
+            </p:extLst>
+          </p:nvPr>
+        </p:nvSpPr>
+        <p:spPr>
+          <a:xfrm>
+            <a:off x="0" y="0"/>
+            <a:ext cx="12192001" cy="6858000"/>
+          </a:xfrm>
+          <a:prstGeom prst="rect">
+            <a:avLst/>
+          </a:prstGeom>
+          <a:ln>
+            <a:noFill/>
+          </a:ln>
+        </p:spPr>
+        <p:style>
+          <a:lnRef idx="2">
+            <a:schemeClr val="accent1">
+              <a:shade val="50000"/>
+            </a:schemeClr>
+          </a:lnRef>
+          <a:fillRef idx="1">
+            <a:schemeClr val="accent1"/>
+          </a:fillRef>
+          <a:effectRef idx="0">
+            <a:schemeClr val="accent1"/>
+          </a:effectRef>
+          <a:fontRef idx="minor">
+            <a:schemeClr val="lt1"/>
+          </a:fontRef>
+        </p:style>
+        <p:txBody>
+          <a:bodyPr rtlCol="0" anchor="ctr"/>
+          <a:lstStyle/>
+          <a:p>
+            <a:pPr algn="ctr"/>
+            <a:endParaRPr lang="en-US"/>
+          </a:p>
+        </p:txBody>
+      </p:sp>
       <p:sp>
         <p:nvSpPr>
           <p:cNvPr id="2" name="Title 1">
             <a:extLst>
               <a:ext uri="{FF2B5EF4-FFF2-40B4-BE49-F238E27FC236}">
-                <a16:creationId xmlns:a16="http://schemas.microsoft.com/office/drawing/2014/main" id="{75AC86D3-8FD1-4F47-A319-7D0542E48B2F}"/>
+                <a16:creationId xmlns:a16="http://schemas.microsoft.com/office/drawing/2014/main" id="{6927717E-E616-BBBF-2C5D-F69EF8CBC8A5}"/>
               </a:ext>
             </a:extLst>
           </p:cNvPr>
@@ -4226,371 +5092,1582 @@
         </p:nvSpPr>
         <p:spPr>
           <a:xfrm>
-            <a:off x="1097280" y="286603"/>
+            <a:off x="1097280" y="324807"/>
             <a:ext cx="10058400" cy="1450757"/>
           </a:xfrm>
         </p:spPr>
         <p:txBody>
-          <a:bodyPr vert="horz" lIns="91440" tIns="45720" rIns="91440" bIns="45720" rtlCol="0">
+          <a:bodyPr>
             <a:normAutofit/>
           </a:bodyPr>
           <a:lstStyle/>
           <a:p>
             <a:r>
-              <a:rPr lang="en-US" dirty="0"/>
-              <a:t>Column Classification</a:t>
-            </a:r>
-          </a:p>
-        </p:txBody>
-      </p:sp>
-      <p:graphicFrame>
-        <p:nvGraphicFramePr>
-          <p:cNvPr id="4" name="Table 4">
-            <a:extLst>
-              <a:ext uri="{FF2B5EF4-FFF2-40B4-BE49-F238E27FC236}">
-                <a16:creationId xmlns:a16="http://schemas.microsoft.com/office/drawing/2014/main" id="{C266CDD0-3E96-40BD-8324-62D1DD86152D}"/>
-              </a:ext>
-            </a:extLst>
-          </p:cNvPr>
-          <p:cNvGraphicFramePr>
-            <a:graphicFrameLocks noGrp="1"/>
-          </p:cNvGraphicFramePr>
-          <p:nvPr>
-            <p:ph idx="1"/>
+              <a:rPr lang="en-US" sz="4400" dirty="0"/>
+              <a:t>Univariate Analysis – Loan Insights</a:t>
+            </a:r>
+          </a:p>
+        </p:txBody>
+      </p:sp>
+      <p:cxnSp>
+        <p:nvCxnSpPr>
+          <p:cNvPr id="18" name="Straight Connector 17">
+            <a:extLst>
+              <a:ext uri="{FF2B5EF4-FFF2-40B4-BE49-F238E27FC236}">
+                <a16:creationId xmlns:a16="http://schemas.microsoft.com/office/drawing/2014/main" id="{6B55B8CC-0F92-4837-A535-00875F255E11}"/>
+              </a:ext>
+              <a:ext uri="{C183D7F6-B498-43B3-948B-1728B52AA6E4}">
+                <adec:decorative xmlns:adec="http://schemas.microsoft.com/office/drawing/2017/decorative" val="1"/>
+              </a:ext>
+            </a:extLst>
+          </p:cNvPr>
+          <p:cNvCxnSpPr>
+            <a:cxnSpLocks noGrp="1" noRot="1" noChangeAspect="1" noMove="1" noResize="1" noEditPoints="1" noAdjustHandles="1" noChangeArrowheads="1" noChangeShapeType="1"/>
+          </p:cNvCxnSpPr>
+          <p:nvPr>
             <p:extLst>
-              <p:ext uri="{D42A27DB-BD31-4B8C-83A1-F6EECF244321}">
-                <p14:modId xmlns:p14="http://schemas.microsoft.com/office/powerpoint/2010/main" val="2015591442"/>
+              <p:ext uri="{386F3935-93C4-4BCD-93E2-E3B085C9AB24}">
+                <p16:designElem xmlns:p16="http://schemas.microsoft.com/office/powerpoint/2015/main" val="1"/>
               </p:ext>
             </p:extLst>
           </p:nvPr>
-        </p:nvGraphicFramePr>
-        <p:xfrm>
-          <a:off x="1097280" y="2129613"/>
-          <a:ext cx="10058400" cy="2214328"/>
-        </p:xfrm>
-        <a:graphic>
-          <a:graphicData uri="http://schemas.openxmlformats.org/drawingml/2006/table">
-            <a:tbl>
-              <a:tblPr firstRow="1" bandRow="1">
-                <a:noFill/>
-                <a:tableStyleId>{3B4B98B0-60AC-42C2-AFA5-B58CD77FA1E5}</a:tableStyleId>
-              </a:tblPr>
-              <a:tblGrid>
-                <a:gridCol w="5029200">
-                  <a:extLst>
-                    <a:ext uri="{9D8B030D-6E8A-4147-A177-3AD203B41FA5}">
-                      <a16:colId xmlns:a16="http://schemas.microsoft.com/office/drawing/2014/main" val="2981917977"/>
-                    </a:ext>
-                  </a:extLst>
-                </a:gridCol>
-                <a:gridCol w="5029200">
-                  <a:extLst>
-                    <a:ext uri="{9D8B030D-6E8A-4147-A177-3AD203B41FA5}">
-                      <a16:colId xmlns:a16="http://schemas.microsoft.com/office/drawing/2014/main" val="945233394"/>
-                    </a:ext>
-                  </a:extLst>
-                </a:gridCol>
-              </a:tblGrid>
-              <a:tr h="531336">
-                <a:tc>
-                  <a:txBody>
-                    <a:bodyPr/>
-                    <a:lstStyle/>
-                    <a:p>
-                      <a:r>
-                        <a:rPr lang="en-US" sz="2400" b="0" cap="all" spc="150" dirty="0">
-                          <a:solidFill>
-                            <a:schemeClr val="lt1"/>
-                          </a:solidFill>
-                        </a:rPr>
-                        <a:t>Customer attributes</a:t>
-                      </a:r>
-                    </a:p>
-                  </a:txBody>
-                  <a:tcPr marL="151061" marR="151061" marT="151061" marB="151061">
-                    <a:lnL w="12700" cmpd="sng">
-                      <a:noFill/>
-                    </a:lnL>
-                    <a:lnR w="12700" cmpd="sng">
-                      <a:noFill/>
-                    </a:lnR>
-                    <a:lnT w="12700" cmpd="sng">
-                      <a:noFill/>
-                    </a:lnT>
-                    <a:lnB w="38100" cmpd="sng">
-                      <a:noFill/>
-                    </a:lnB>
-                    <a:solidFill>
-                      <a:schemeClr val="accent1"/>
-                    </a:solidFill>
-                  </a:tcPr>
-                </a:tc>
-                <a:tc>
-                  <a:txBody>
-                    <a:bodyPr/>
-                    <a:lstStyle/>
-                    <a:p>
-                      <a:r>
-                        <a:rPr lang="en-US" sz="2400" b="0" cap="all" spc="150" dirty="0">
-                          <a:solidFill>
-                            <a:schemeClr val="lt1"/>
-                          </a:solidFill>
-                        </a:rPr>
-                        <a:t>Loan attributes</a:t>
-                      </a:r>
-                    </a:p>
-                  </a:txBody>
-                  <a:tcPr marL="151061" marR="151061" marT="151061" marB="151061">
-                    <a:lnL w="12700" cmpd="sng">
-                      <a:noFill/>
-                    </a:lnL>
-                    <a:lnR w="12700" cmpd="sng">
-                      <a:noFill/>
-                    </a:lnR>
-                    <a:lnT w="12700" cmpd="sng">
-                      <a:noFill/>
-                    </a:lnT>
-                    <a:lnB w="38100" cmpd="sng">
-                      <a:noFill/>
-                    </a:lnB>
-                    <a:solidFill>
-                      <a:schemeClr val="accent1"/>
-                    </a:solidFill>
-                  </a:tcPr>
-                </a:tc>
-                <a:extLst>
-                  <a:ext uri="{0D108BD9-81ED-4DB2-BD59-A6C34878D82A}">
-                    <a16:rowId xmlns:a16="http://schemas.microsoft.com/office/drawing/2014/main" val="2580512675"/>
-                  </a:ext>
-                </a:extLst>
-              </a:tr>
-              <a:tr h="503133">
-                <a:tc>
-                  <a:txBody>
-                    <a:bodyPr/>
-                    <a:lstStyle/>
-                    <a:p>
-                      <a:endParaRPr lang="en-US" sz="1400" cap="none" spc="0" dirty="0">
-                        <a:solidFill>
-                          <a:schemeClr val="tx1"/>
-                        </a:solidFill>
-                      </a:endParaRPr>
-                    </a:p>
-                  </a:txBody>
-                  <a:tcPr marL="151061" marR="151061" marT="151061" marB="151061">
-                    <a:lnL w="12700" cmpd="sng">
-                      <a:noFill/>
-                      <a:prstDash val="solid"/>
-                    </a:lnL>
-                    <a:lnR w="12700" cmpd="sng">
-                      <a:noFill/>
-                      <a:prstDash val="solid"/>
-                    </a:lnR>
-                    <a:lnT w="38100" cmpd="sng">
-                      <a:noFill/>
-                    </a:lnT>
-                    <a:lnB w="12700" cmpd="sng">
-                      <a:noFill/>
-                      <a:prstDash val="solid"/>
-                    </a:lnB>
-                    <a:noFill/>
-                  </a:tcPr>
-                </a:tc>
-                <a:tc>
-                  <a:txBody>
-                    <a:bodyPr/>
-                    <a:lstStyle/>
-                    <a:p>
-                      <a:endParaRPr lang="en-US" sz="1400" cap="none" spc="0" dirty="0">
-                        <a:solidFill>
-                          <a:schemeClr val="tx1"/>
-                        </a:solidFill>
-                      </a:endParaRPr>
-                    </a:p>
-                  </a:txBody>
-                  <a:tcPr marL="151061" marR="151061" marT="151061" marB="151061">
-                    <a:lnL w="12700" cmpd="sng">
-                      <a:noFill/>
-                      <a:prstDash val="solid"/>
-                    </a:lnL>
-                    <a:lnR w="12700" cmpd="sng">
-                      <a:noFill/>
-                      <a:prstDash val="solid"/>
-                    </a:lnR>
-                    <a:lnT w="38100" cmpd="sng">
-                      <a:noFill/>
-                    </a:lnT>
-                    <a:lnB w="12700" cmpd="sng">
-                      <a:noFill/>
-                      <a:prstDash val="solid"/>
-                    </a:lnB>
-                    <a:noFill/>
-                  </a:tcPr>
-                </a:tc>
-                <a:extLst>
-                  <a:ext uri="{0D108BD9-81ED-4DB2-BD59-A6C34878D82A}">
-                    <a16:rowId xmlns:a16="http://schemas.microsoft.com/office/drawing/2014/main" val="2085369860"/>
-                  </a:ext>
-                </a:extLst>
-              </a:tr>
-              <a:tr h="503133">
-                <a:tc>
-                  <a:txBody>
-                    <a:bodyPr/>
-                    <a:lstStyle/>
-                    <a:p>
-                      <a:endParaRPr lang="en-US" sz="1400" cap="none" spc="0" dirty="0">
-                        <a:solidFill>
-                          <a:schemeClr val="tx1"/>
-                        </a:solidFill>
-                      </a:endParaRPr>
-                    </a:p>
-                  </a:txBody>
-                  <a:tcPr marL="151061" marR="151061" marT="151061" marB="151061">
-                    <a:lnL w="12700" cmpd="sng">
-                      <a:noFill/>
-                      <a:prstDash val="solid"/>
-                    </a:lnL>
-                    <a:lnR w="12700" cmpd="sng">
-                      <a:noFill/>
-                      <a:prstDash val="solid"/>
-                    </a:lnR>
-                    <a:lnT w="12700" cmpd="sng">
-                      <a:noFill/>
-                      <a:prstDash val="solid"/>
-                    </a:lnT>
-                    <a:lnB w="12700" cmpd="sng">
-                      <a:noFill/>
-                      <a:prstDash val="solid"/>
-                    </a:lnB>
-                    <a:solidFill>
-                      <a:srgbClr val="000000">
-                        <a:alpha val="7843"/>
-                      </a:srgbClr>
-                    </a:solidFill>
-                  </a:tcPr>
-                </a:tc>
-                <a:tc>
-                  <a:txBody>
-                    <a:bodyPr/>
-                    <a:lstStyle/>
-                    <a:p>
-                      <a:endParaRPr lang="en-US" sz="1400" cap="none" spc="0" dirty="0">
-                        <a:solidFill>
-                          <a:schemeClr val="tx1"/>
-                        </a:solidFill>
-                      </a:endParaRPr>
-                    </a:p>
-                  </a:txBody>
-                  <a:tcPr marL="151061" marR="151061" marT="151061" marB="151061">
-                    <a:lnL w="12700" cmpd="sng">
-                      <a:noFill/>
-                      <a:prstDash val="solid"/>
-                    </a:lnL>
-                    <a:lnR w="12700" cmpd="sng">
-                      <a:noFill/>
-                      <a:prstDash val="solid"/>
-                    </a:lnR>
-                    <a:lnT w="12700" cmpd="sng">
-                      <a:noFill/>
-                      <a:prstDash val="solid"/>
-                    </a:lnT>
-                    <a:lnB w="12700" cmpd="sng">
-                      <a:noFill/>
-                      <a:prstDash val="solid"/>
-                    </a:lnB>
-                    <a:solidFill>
-                      <a:srgbClr val="000000">
-                        <a:alpha val="7843"/>
-                      </a:srgbClr>
-                    </a:solidFill>
-                  </a:tcPr>
-                </a:tc>
-                <a:extLst>
-                  <a:ext uri="{0D108BD9-81ED-4DB2-BD59-A6C34878D82A}">
-                    <a16:rowId xmlns:a16="http://schemas.microsoft.com/office/drawing/2014/main" val="4252228359"/>
-                  </a:ext>
-                </a:extLst>
-              </a:tr>
-              <a:tr h="503133">
-                <a:tc>
-                  <a:txBody>
-                    <a:bodyPr/>
-                    <a:lstStyle/>
-                    <a:p>
-                      <a:endParaRPr lang="en-US" sz="1400" cap="none" spc="0" dirty="0">
-                        <a:solidFill>
-                          <a:schemeClr val="tx1"/>
-                        </a:solidFill>
-                      </a:endParaRPr>
-                    </a:p>
-                  </a:txBody>
-                  <a:tcPr marL="151061" marR="151061" marT="151061" marB="151061">
-                    <a:lnL w="12700" cmpd="sng">
-                      <a:noFill/>
-                      <a:prstDash val="solid"/>
-                    </a:lnL>
-                    <a:lnR w="12700" cmpd="sng">
-                      <a:noFill/>
-                      <a:prstDash val="solid"/>
-                    </a:lnR>
-                    <a:lnT w="12700" cmpd="sng">
-                      <a:noFill/>
-                      <a:prstDash val="solid"/>
-                    </a:lnT>
-                    <a:lnB w="12700" cmpd="sng">
-                      <a:noFill/>
-                      <a:prstDash val="solid"/>
-                    </a:lnB>
-                    <a:noFill/>
-                  </a:tcPr>
-                </a:tc>
-                <a:tc>
-                  <a:txBody>
-                    <a:bodyPr/>
-                    <a:lstStyle/>
-                    <a:p>
-                      <a:endParaRPr lang="en-US" sz="1400" cap="none" spc="0" dirty="0">
-                        <a:solidFill>
-                          <a:schemeClr val="tx1"/>
-                        </a:solidFill>
-                      </a:endParaRPr>
-                    </a:p>
-                  </a:txBody>
-                  <a:tcPr marL="151061" marR="151061" marT="151061" marB="151061">
-                    <a:lnL w="12700" cmpd="sng">
-                      <a:noFill/>
-                      <a:prstDash val="solid"/>
-                    </a:lnL>
-                    <a:lnR w="12700" cmpd="sng">
-                      <a:noFill/>
-                      <a:prstDash val="solid"/>
-                    </a:lnR>
-                    <a:lnT w="12700" cmpd="sng">
-                      <a:noFill/>
-                      <a:prstDash val="solid"/>
-                    </a:lnT>
-                    <a:lnB w="12700" cmpd="sng">
-                      <a:noFill/>
-                      <a:prstDash val="solid"/>
-                    </a:lnB>
-                    <a:noFill/>
-                  </a:tcPr>
-                </a:tc>
-                <a:extLst>
-                  <a:ext uri="{0D108BD9-81ED-4DB2-BD59-A6C34878D82A}">
-                    <a16:rowId xmlns:a16="http://schemas.microsoft.com/office/drawing/2014/main" val="2578144993"/>
-                  </a:ext>
-                </a:extLst>
-              </a:tr>
-            </a:tbl>
-          </a:graphicData>
-        </a:graphic>
-      </p:graphicFrame>
+        </p:nvCxnSpPr>
+        <p:spPr>
+          <a:xfrm>
+            <a:off x="1193532" y="1897380"/>
+            <a:ext cx="9966960" cy="0"/>
+          </a:xfrm>
+          <a:prstGeom prst="line">
+            <a:avLst/>
+          </a:prstGeom>
+          <a:ln w="12700">
+            <a:solidFill>
+              <a:schemeClr val="tx1">
+                <a:lumMod val="75000"/>
+                <a:lumOff val="25000"/>
+              </a:schemeClr>
+            </a:solidFill>
+          </a:ln>
+        </p:spPr>
+        <p:style>
+          <a:lnRef idx="1">
+            <a:schemeClr val="accent1"/>
+          </a:lnRef>
+          <a:fillRef idx="0">
+            <a:schemeClr val="accent1"/>
+          </a:fillRef>
+          <a:effectRef idx="0">
+            <a:schemeClr val="accent1"/>
+          </a:effectRef>
+          <a:fontRef idx="minor">
+            <a:schemeClr val="tx1"/>
+          </a:fontRef>
+        </p:style>
+      </p:cxnSp>
+      <p:sp>
+        <p:nvSpPr>
+          <p:cNvPr id="13" name="Content Placeholder 12">
+            <a:extLst>
+              <a:ext uri="{FF2B5EF4-FFF2-40B4-BE49-F238E27FC236}">
+                <a16:creationId xmlns:a16="http://schemas.microsoft.com/office/drawing/2014/main" id="{FCA5D91A-5EB1-4D82-A965-F6E86CC57FBB}"/>
+              </a:ext>
+            </a:extLst>
+          </p:cNvPr>
+          <p:cNvSpPr>
+            <a:spLocks noGrp="1"/>
+          </p:cNvSpPr>
+          <p:nvPr>
+            <p:ph idx="1"/>
+          </p:nvPr>
+        </p:nvSpPr>
+        <p:spPr>
+          <a:xfrm>
+            <a:off x="1097280" y="4079470"/>
+            <a:ext cx="10834890" cy="2263427"/>
+          </a:xfrm>
+        </p:spPr>
+        <p:txBody>
+          <a:bodyPr>
+            <a:normAutofit/>
+          </a:bodyPr>
+          <a:lstStyle/>
+          <a:p>
+            <a:pPr>
+              <a:buFont typeface="Wingdings" panose="05000000000000000000" pitchFamily="2" charset="2"/>
+              <a:buChar char="Ø"/>
+            </a:pPr>
+            <a:r>
+              <a:rPr lang="en-US" dirty="0">
+                <a:solidFill>
+                  <a:schemeClr val="tx1"/>
+                </a:solidFill>
+                <a:cs typeface="Calibri" panose="020F0502020204030204" pitchFamily="34" charset="0"/>
+              </a:rPr>
+              <a:t>~15% </a:t>
+            </a:r>
+            <a:r>
+              <a:rPr lang="en-US" b="0" dirty="0">
+                <a:solidFill>
+                  <a:schemeClr val="tx1"/>
+                </a:solidFill>
+                <a:effectLst/>
+                <a:cs typeface="Calibri" panose="020F0502020204030204" pitchFamily="34" charset="0"/>
+              </a:rPr>
+              <a:t> loans were charged off</a:t>
+            </a:r>
+          </a:p>
+          <a:p>
+            <a:pPr>
+              <a:buFont typeface="Wingdings" panose="05000000000000000000" pitchFamily="2" charset="2"/>
+              <a:buChar char="Ø"/>
+            </a:pPr>
+            <a:r>
+              <a:rPr lang="en-US" b="0" dirty="0">
+                <a:solidFill>
+                  <a:schemeClr val="tx1"/>
+                </a:solidFill>
+                <a:effectLst/>
+                <a:cs typeface="Calibri" panose="020F0502020204030204" pitchFamily="34" charset="0"/>
+              </a:rPr>
+              <a:t>Significant no. of loans were issued with 36 months term</a:t>
+            </a:r>
+          </a:p>
+          <a:p>
+            <a:pPr>
+              <a:buFont typeface="Wingdings" panose="05000000000000000000" pitchFamily="2" charset="2"/>
+              <a:buChar char="Ø"/>
+            </a:pPr>
+            <a:r>
+              <a:rPr lang="en-US" b="0" dirty="0">
+                <a:solidFill>
+                  <a:schemeClr val="tx1"/>
+                </a:solidFill>
+                <a:effectLst/>
+                <a:cs typeface="Calibri" panose="020F0502020204030204" pitchFamily="34" charset="0"/>
+              </a:rPr>
+              <a:t>Ratio of default is higher in 60 months term</a:t>
+            </a:r>
+          </a:p>
+          <a:p>
+            <a:pPr>
+              <a:buFont typeface="Wingdings" panose="05000000000000000000" pitchFamily="2" charset="2"/>
+              <a:buChar char="Ø"/>
+            </a:pPr>
+            <a:r>
+              <a:rPr lang="en-US" dirty="0">
+                <a:solidFill>
+                  <a:schemeClr val="tx1"/>
+                </a:solidFill>
+                <a:cs typeface="Calibri" panose="020F0502020204030204" pitchFamily="34" charset="0"/>
+              </a:rPr>
+              <a:t>Loans falling under Grade B, C and D have higher charged off</a:t>
+            </a:r>
+          </a:p>
+          <a:p>
+            <a:endParaRPr lang="en-US" b="0" dirty="0">
+              <a:solidFill>
+                <a:schemeClr val="tx1"/>
+              </a:solidFill>
+              <a:effectLst/>
+              <a:cs typeface="Calibri" panose="020F0502020204030204" pitchFamily="34" charset="0"/>
+            </a:endParaRPr>
+          </a:p>
+          <a:p>
+            <a:endParaRPr lang="en-US" b="0" dirty="0">
+              <a:solidFill>
+                <a:schemeClr val="tx1"/>
+              </a:solidFill>
+              <a:effectLst/>
+            </a:endParaRPr>
+          </a:p>
+          <a:p>
+            <a:endParaRPr lang="en-US" dirty="0">
+              <a:solidFill>
+                <a:schemeClr val="tx1"/>
+              </a:solidFill>
+            </a:endParaRPr>
+          </a:p>
+        </p:txBody>
+      </p:sp>
+      <p:pic>
+        <p:nvPicPr>
+          <p:cNvPr id="9" name="Content Placeholder 8" descr="Chart, bar chart&#10;&#10;Description automatically generated">
+            <a:extLst>
+              <a:ext uri="{FF2B5EF4-FFF2-40B4-BE49-F238E27FC236}">
+                <a16:creationId xmlns:a16="http://schemas.microsoft.com/office/drawing/2014/main" id="{8B7B043F-B222-D90E-EB4A-96DEA2D823A5}"/>
+              </a:ext>
+            </a:extLst>
+          </p:cNvPr>
+          <p:cNvPicPr>
+            <a:picLocks noChangeAspect="1"/>
+          </p:cNvPicPr>
+          <p:nvPr/>
+        </p:nvPicPr>
+        <p:blipFill>
+          <a:blip r:embed="rId2"/>
+          <a:stretch>
+            <a:fillRect/>
+          </a:stretch>
+        </p:blipFill>
+        <p:spPr>
+          <a:xfrm>
+            <a:off x="7419909" y="1912990"/>
+            <a:ext cx="3454271" cy="2263434"/>
+          </a:xfrm>
+          <a:prstGeom prst="rect">
+            <a:avLst/>
+          </a:prstGeom>
+        </p:spPr>
+      </p:pic>
+      <p:pic>
+        <p:nvPicPr>
+          <p:cNvPr id="7" name="Picture 6" descr="Chart, bar chart&#10;&#10;Description automatically generated">
+            <a:extLst>
+              <a:ext uri="{FF2B5EF4-FFF2-40B4-BE49-F238E27FC236}">
+                <a16:creationId xmlns:a16="http://schemas.microsoft.com/office/drawing/2014/main" id="{C948777A-83A9-8900-3065-16AA4A0E3C83}"/>
+              </a:ext>
+            </a:extLst>
+          </p:cNvPr>
+          <p:cNvPicPr>
+            <a:picLocks noChangeAspect="1"/>
+          </p:cNvPicPr>
+          <p:nvPr/>
+        </p:nvPicPr>
+        <p:blipFill>
+          <a:blip r:embed="rId3"/>
+          <a:stretch>
+            <a:fillRect/>
+          </a:stretch>
+        </p:blipFill>
+        <p:spPr>
+          <a:xfrm>
+            <a:off x="4437436" y="1896336"/>
+            <a:ext cx="3033976" cy="2214801"/>
+          </a:xfrm>
+          <a:prstGeom prst="rect">
+            <a:avLst/>
+          </a:prstGeom>
+        </p:spPr>
+      </p:pic>
+      <p:pic>
+        <p:nvPicPr>
+          <p:cNvPr id="5" name="Picture 4" descr="Chart, bar chart&#10;&#10;Description automatically generated">
+            <a:extLst>
+              <a:ext uri="{FF2B5EF4-FFF2-40B4-BE49-F238E27FC236}">
+                <a16:creationId xmlns:a16="http://schemas.microsoft.com/office/drawing/2014/main" id="{420CF461-58DE-C252-0DE8-8DBBF4021FF4}"/>
+              </a:ext>
+            </a:extLst>
+          </p:cNvPr>
+          <p:cNvPicPr>
+            <a:picLocks noChangeAspect="1"/>
+          </p:cNvPicPr>
+          <p:nvPr/>
+        </p:nvPicPr>
+        <p:blipFill>
+          <a:blip r:embed="rId4"/>
+          <a:stretch>
+            <a:fillRect/>
+          </a:stretch>
+        </p:blipFill>
+        <p:spPr>
+          <a:xfrm>
+            <a:off x="1193532" y="1898980"/>
+            <a:ext cx="3487876" cy="2214801"/>
+          </a:xfrm>
+          <a:prstGeom prst="rect">
+            <a:avLst/>
+          </a:prstGeom>
+        </p:spPr>
+      </p:pic>
+      <p:sp>
+        <p:nvSpPr>
+          <p:cNvPr id="20" name="Rectangle 19">
+            <a:extLst>
+              <a:ext uri="{FF2B5EF4-FFF2-40B4-BE49-F238E27FC236}">
+                <a16:creationId xmlns:a16="http://schemas.microsoft.com/office/drawing/2014/main" id="{6344C6FC-AA4A-4CB4-835E-C976EBC08E63}"/>
+              </a:ext>
+              <a:ext uri="{C183D7F6-B498-43B3-948B-1728B52AA6E4}">
+                <adec:decorative xmlns:adec="http://schemas.microsoft.com/office/drawing/2017/decorative" val="1"/>
+              </a:ext>
+            </a:extLst>
+          </p:cNvPr>
+          <p:cNvSpPr>
+            <a:spLocks noGrp="1" noRot="1" noChangeAspect="1" noMove="1" noResize="1" noEditPoints="1" noAdjustHandles="1" noChangeArrowheads="1" noChangeShapeType="1" noTextEdit="1"/>
+          </p:cNvSpPr>
+          <p:nvPr>
+            <p:extLst>
+              <p:ext uri="{386F3935-93C4-4BCD-93E2-E3B085C9AB24}">
+                <p16:designElem xmlns:p16="http://schemas.microsoft.com/office/powerpoint/2015/main" val="1"/>
+              </p:ext>
+            </p:extLst>
+          </p:nvPr>
+        </p:nvSpPr>
+        <p:spPr>
+          <a:xfrm>
+            <a:off x="-1" y="6400800"/>
+            <a:ext cx="12192000" cy="457200"/>
+          </a:xfrm>
+          <a:prstGeom prst="rect">
+            <a:avLst/>
+          </a:prstGeom>
+          <a:solidFill>
+            <a:srgbClr val="262626"/>
+          </a:solidFill>
+          <a:ln>
+            <a:noFill/>
+          </a:ln>
+        </p:spPr>
+        <p:style>
+          <a:lnRef idx="2">
+            <a:schemeClr val="accent1">
+              <a:shade val="50000"/>
+            </a:schemeClr>
+          </a:lnRef>
+          <a:fillRef idx="1">
+            <a:schemeClr val="accent1"/>
+          </a:fillRef>
+          <a:effectRef idx="0">
+            <a:schemeClr val="accent1"/>
+          </a:effectRef>
+          <a:fontRef idx="minor">
+            <a:schemeClr val="lt1"/>
+          </a:fontRef>
+        </p:style>
+      </p:sp>
     </p:spTree>
     <p:extLst>
       <p:ext uri="{BB962C8B-B14F-4D97-AF65-F5344CB8AC3E}">
-        <p14:creationId xmlns:p14="http://schemas.microsoft.com/office/powerpoint/2010/main" val="2933514334"/>
+        <p14:creationId xmlns:p14="http://schemas.microsoft.com/office/powerpoint/2010/main" val="4275704262"/>
+      </p:ext>
+    </p:extLst>
+  </p:cSld>
+  <p:clrMapOvr>
+    <a:masterClrMapping/>
+  </p:clrMapOvr>
+</p:sld>
+</file>
+
+<file path=ppt/slides/slide6.xml><?xml version="1.0" encoding="utf-8"?>
+<p:sld xmlns:a="http://schemas.openxmlformats.org/drawingml/2006/main" xmlns:r="http://schemas.openxmlformats.org/officeDocument/2006/relationships" xmlns:p="http://schemas.openxmlformats.org/presentationml/2006/main">
+  <p:cSld>
+    <p:bg>
+      <p:bgPr>
+        <a:solidFill>
+          <a:schemeClr val="bg1"/>
+        </a:solidFill>
+        <a:effectLst/>
+      </p:bgPr>
+    </p:bg>
+    <p:spTree>
+      <p:nvGrpSpPr>
+        <p:cNvPr id="1" name=""/>
+        <p:cNvGrpSpPr/>
+        <p:nvPr/>
+      </p:nvGrpSpPr>
+      <p:grpSpPr>
+        <a:xfrm>
+          <a:off x="0" y="0"/>
+          <a:ext cx="0" cy="0"/>
+          <a:chOff x="0" y="0"/>
+          <a:chExt cx="0" cy="0"/>
+        </a:xfrm>
+      </p:grpSpPr>
+      <p:sp>
+        <p:nvSpPr>
+          <p:cNvPr id="2" name="Title 1">
+            <a:extLst>
+              <a:ext uri="{FF2B5EF4-FFF2-40B4-BE49-F238E27FC236}">
+                <a16:creationId xmlns:a16="http://schemas.microsoft.com/office/drawing/2014/main" id="{6927717E-E616-BBBF-2C5D-F69EF8CBC8A5}"/>
+              </a:ext>
+            </a:extLst>
+          </p:cNvPr>
+          <p:cNvSpPr>
+            <a:spLocks noGrp="1"/>
+          </p:cNvSpPr>
+          <p:nvPr>
+            <p:ph type="title"/>
+          </p:nvPr>
+        </p:nvSpPr>
+        <p:spPr/>
+        <p:txBody>
+          <a:bodyPr>
+            <a:normAutofit/>
+          </a:bodyPr>
+          <a:lstStyle/>
+          <a:p>
+            <a:r>
+              <a:rPr lang="en-US" sz="4400" dirty="0"/>
+              <a:t>Univariate Analysis – Loan Insights</a:t>
+            </a:r>
+          </a:p>
+        </p:txBody>
+      </p:sp>
+      <p:sp>
+        <p:nvSpPr>
+          <p:cNvPr id="14" name="Content Placeholder 12">
+            <a:extLst>
+              <a:ext uri="{FF2B5EF4-FFF2-40B4-BE49-F238E27FC236}">
+                <a16:creationId xmlns:a16="http://schemas.microsoft.com/office/drawing/2014/main" id="{07F1FE2E-681F-AB25-0490-50130718C2EC}"/>
+              </a:ext>
+            </a:extLst>
+          </p:cNvPr>
+          <p:cNvSpPr>
+            <a:spLocks noGrp="1"/>
+          </p:cNvSpPr>
+          <p:nvPr>
+            <p:ph idx="1"/>
+          </p:nvPr>
+        </p:nvSpPr>
+        <p:spPr>
+          <a:xfrm>
+            <a:off x="1097280" y="4865921"/>
+            <a:ext cx="10834890" cy="1476976"/>
+          </a:xfrm>
+        </p:spPr>
+        <p:txBody>
+          <a:bodyPr>
+            <a:normAutofit/>
+          </a:bodyPr>
+          <a:lstStyle/>
+          <a:p>
+            <a:pPr>
+              <a:buFont typeface="Wingdings" panose="05000000000000000000" pitchFamily="2" charset="2"/>
+              <a:buChar char="Ø"/>
+            </a:pPr>
+            <a:r>
+              <a:rPr lang="en-US" b="0" dirty="0">
+                <a:solidFill>
+                  <a:schemeClr val="tx1"/>
+                </a:solidFill>
+                <a:effectLst/>
+              </a:rPr>
+              <a:t>There is a significant increase in the no. of loans issued over the year and the defaulters too.</a:t>
+            </a:r>
+          </a:p>
+          <a:p>
+            <a:pPr>
+              <a:buFont typeface="Wingdings" panose="05000000000000000000" pitchFamily="2" charset="2"/>
+              <a:buChar char="Ø"/>
+            </a:pPr>
+            <a:r>
+              <a:rPr lang="en-US" dirty="0">
+                <a:solidFill>
+                  <a:schemeClr val="tx1"/>
+                </a:solidFill>
+              </a:rPr>
+              <a:t>There is an increase in the no. of loans issued towards end of the year</a:t>
+            </a:r>
+          </a:p>
+          <a:p>
+            <a:pPr>
+              <a:buFont typeface="Wingdings" panose="05000000000000000000" pitchFamily="2" charset="2"/>
+              <a:buChar char="Ø"/>
+            </a:pPr>
+            <a:r>
+              <a:rPr lang="en-US" dirty="0">
+                <a:solidFill>
+                  <a:schemeClr val="tx1"/>
+                </a:solidFill>
+              </a:rPr>
+              <a:t>Debt Consolidation, Credit Card and Other are the top 3 purpose behind the loans that were charged off.</a:t>
+            </a:r>
+          </a:p>
+          <a:p>
+            <a:endParaRPr lang="en-US" b="0" dirty="0">
+              <a:solidFill>
+                <a:schemeClr val="tx1"/>
+              </a:solidFill>
+              <a:effectLst/>
+              <a:cs typeface="Calibri" panose="020F0502020204030204" pitchFamily="34" charset="0"/>
+            </a:endParaRPr>
+          </a:p>
+          <a:p>
+            <a:endParaRPr lang="en-US" b="0" dirty="0">
+              <a:solidFill>
+                <a:schemeClr val="tx1"/>
+              </a:solidFill>
+              <a:effectLst/>
+            </a:endParaRPr>
+          </a:p>
+          <a:p>
+            <a:endParaRPr lang="en-US" dirty="0">
+              <a:solidFill>
+                <a:schemeClr val="tx1"/>
+              </a:solidFill>
+            </a:endParaRPr>
+          </a:p>
+        </p:txBody>
+      </p:sp>
+      <p:pic>
+        <p:nvPicPr>
+          <p:cNvPr id="4" name="Picture 3">
+            <a:extLst>
+              <a:ext uri="{FF2B5EF4-FFF2-40B4-BE49-F238E27FC236}">
+                <a16:creationId xmlns:a16="http://schemas.microsoft.com/office/drawing/2014/main" id="{5637FB71-BD48-C560-DDBF-ADC22ADA6A12}"/>
+              </a:ext>
+            </a:extLst>
+          </p:cNvPr>
+          <p:cNvPicPr>
+            <a:picLocks noChangeAspect="1"/>
+          </p:cNvPicPr>
+          <p:nvPr/>
+        </p:nvPicPr>
+        <p:blipFill>
+          <a:blip r:embed="rId3"/>
+          <a:stretch>
+            <a:fillRect/>
+          </a:stretch>
+        </p:blipFill>
+        <p:spPr>
+          <a:xfrm>
+            <a:off x="890258" y="1923590"/>
+            <a:ext cx="3286738" cy="2946509"/>
+          </a:xfrm>
+          <a:prstGeom prst="rect">
+            <a:avLst/>
+          </a:prstGeom>
+        </p:spPr>
+      </p:pic>
+      <p:pic>
+        <p:nvPicPr>
+          <p:cNvPr id="8" name="Picture 7">
+            <a:extLst>
+              <a:ext uri="{FF2B5EF4-FFF2-40B4-BE49-F238E27FC236}">
+                <a16:creationId xmlns:a16="http://schemas.microsoft.com/office/drawing/2014/main" id="{940F833C-1064-19F9-48F1-A43D0B334267}"/>
+              </a:ext>
+            </a:extLst>
+          </p:cNvPr>
+          <p:cNvPicPr>
+            <a:picLocks noChangeAspect="1"/>
+          </p:cNvPicPr>
+          <p:nvPr/>
+        </p:nvPicPr>
+        <p:blipFill>
+          <a:blip r:embed="rId4"/>
+          <a:stretch>
+            <a:fillRect/>
+          </a:stretch>
+        </p:blipFill>
+        <p:spPr>
+          <a:xfrm>
+            <a:off x="4052277" y="1923590"/>
+            <a:ext cx="3162018" cy="3010820"/>
+          </a:xfrm>
+          <a:prstGeom prst="rect">
+            <a:avLst/>
+          </a:prstGeom>
+        </p:spPr>
+      </p:pic>
+      <p:pic>
+        <p:nvPicPr>
+          <p:cNvPr id="17" name="Picture 16">
+            <a:extLst>
+              <a:ext uri="{FF2B5EF4-FFF2-40B4-BE49-F238E27FC236}">
+                <a16:creationId xmlns:a16="http://schemas.microsoft.com/office/drawing/2014/main" id="{471EB392-755C-A8D7-3018-CA0848B351DE}"/>
+              </a:ext>
+            </a:extLst>
+          </p:cNvPr>
+          <p:cNvPicPr>
+            <a:picLocks noChangeAspect="1"/>
+          </p:cNvPicPr>
+          <p:nvPr/>
+        </p:nvPicPr>
+        <p:blipFill>
+          <a:blip r:embed="rId5"/>
+          <a:stretch>
+            <a:fillRect/>
+          </a:stretch>
+        </p:blipFill>
+        <p:spPr>
+          <a:xfrm>
+            <a:off x="7530315" y="1923590"/>
+            <a:ext cx="4085835" cy="3065632"/>
+          </a:xfrm>
+          <a:prstGeom prst="rect">
+            <a:avLst/>
+          </a:prstGeom>
+        </p:spPr>
+      </p:pic>
+    </p:spTree>
+    <p:extLst>
+      <p:ext uri="{BB962C8B-B14F-4D97-AF65-F5344CB8AC3E}">
+        <p14:creationId xmlns:p14="http://schemas.microsoft.com/office/powerpoint/2010/main" val="3965913121"/>
+      </p:ext>
+    </p:extLst>
+  </p:cSld>
+  <p:clrMapOvr>
+    <a:overrideClrMapping bg1="lt1" tx1="dk1" bg2="lt2" tx2="dk2" accent1="accent1" accent2="accent2" accent3="accent3" accent4="accent4" accent5="accent5" accent6="accent6" hlink="hlink" folHlink="folHlink"/>
+  </p:clrMapOvr>
+</p:sld>
+</file>
+
+<file path=ppt/slides/slide7.xml><?xml version="1.0" encoding="utf-8"?>
+<p:sld xmlns:a="http://schemas.openxmlformats.org/drawingml/2006/main" xmlns:r="http://schemas.openxmlformats.org/officeDocument/2006/relationships" xmlns:p="http://schemas.openxmlformats.org/presentationml/2006/main">
+  <p:cSld>
+    <p:spTree>
+      <p:nvGrpSpPr>
+        <p:cNvPr id="1" name=""/>
+        <p:cNvGrpSpPr/>
+        <p:nvPr/>
+      </p:nvGrpSpPr>
+      <p:grpSpPr>
+        <a:xfrm>
+          <a:off x="0" y="0"/>
+          <a:ext cx="0" cy="0"/>
+          <a:chOff x="0" y="0"/>
+          <a:chExt cx="0" cy="0"/>
+        </a:xfrm>
+      </p:grpSpPr>
+      <p:sp>
+        <p:nvSpPr>
+          <p:cNvPr id="2" name="Title 1">
+            <a:extLst>
+              <a:ext uri="{FF2B5EF4-FFF2-40B4-BE49-F238E27FC236}">
+                <a16:creationId xmlns:a16="http://schemas.microsoft.com/office/drawing/2014/main" id="{6927717E-E616-BBBF-2C5D-F69EF8CBC8A5}"/>
+              </a:ext>
+            </a:extLst>
+          </p:cNvPr>
+          <p:cNvSpPr>
+            <a:spLocks noGrp="1"/>
+          </p:cNvSpPr>
+          <p:nvPr>
+            <p:ph type="title"/>
+          </p:nvPr>
+        </p:nvSpPr>
+        <p:spPr>
+          <a:xfrm>
+            <a:off x="1097280" y="286603"/>
+            <a:ext cx="10265264" cy="1450757"/>
+          </a:xfrm>
+        </p:spPr>
+        <p:txBody>
+          <a:bodyPr>
+            <a:normAutofit/>
+          </a:bodyPr>
+          <a:lstStyle/>
+          <a:p>
+            <a:r>
+              <a:rPr lang="en-US" dirty="0"/>
+              <a:t>Univariate Analysis – Customer </a:t>
+            </a:r>
+            <a:r>
+              <a:rPr lang="en-US" sz="4400" dirty="0"/>
+              <a:t>Insights</a:t>
+            </a:r>
+          </a:p>
+        </p:txBody>
+      </p:sp>
+      <p:sp>
+        <p:nvSpPr>
+          <p:cNvPr id="13" name="Content Placeholder 12">
+            <a:extLst>
+              <a:ext uri="{FF2B5EF4-FFF2-40B4-BE49-F238E27FC236}">
+                <a16:creationId xmlns:a16="http://schemas.microsoft.com/office/drawing/2014/main" id="{FCA5D91A-5EB1-4D82-A965-F6E86CC57FBB}"/>
+              </a:ext>
+            </a:extLst>
+          </p:cNvPr>
+          <p:cNvSpPr>
+            <a:spLocks noGrp="1"/>
+          </p:cNvSpPr>
+          <p:nvPr>
+            <p:ph idx="1"/>
+          </p:nvPr>
+        </p:nvSpPr>
+        <p:spPr>
+          <a:xfrm>
+            <a:off x="972105" y="4819076"/>
+            <a:ext cx="10058400" cy="1450757"/>
+          </a:xfrm>
+        </p:spPr>
+        <p:txBody>
+          <a:bodyPr>
+            <a:normAutofit fontScale="92500"/>
+          </a:bodyPr>
+          <a:lstStyle/>
+          <a:p>
+            <a:pPr>
+              <a:buFont typeface="Wingdings" panose="05000000000000000000" pitchFamily="2" charset="2"/>
+              <a:buChar char="Ø"/>
+            </a:pPr>
+            <a:r>
+              <a:rPr lang="en-US" b="0" dirty="0">
+                <a:solidFill>
+                  <a:schemeClr val="tx1"/>
+                </a:solidFill>
+                <a:effectLst/>
+              </a:rPr>
+              <a:t>Applicants who fall under MORTGAGE and RENT have higher charged off  loans compared to OWN</a:t>
+            </a:r>
+          </a:p>
+          <a:p>
+            <a:pPr>
+              <a:buFont typeface="Wingdings" panose="05000000000000000000" pitchFamily="2" charset="2"/>
+              <a:buChar char="Ø"/>
+            </a:pPr>
+            <a:r>
+              <a:rPr lang="en-US" b="0" dirty="0">
+                <a:solidFill>
+                  <a:schemeClr val="tx1"/>
+                </a:solidFill>
+                <a:effectLst/>
+              </a:rPr>
+              <a:t>It doesn't look like Unverified has significantly higher defaulters compared the verified ones.</a:t>
+            </a:r>
+          </a:p>
+          <a:p>
+            <a:pPr>
+              <a:buFont typeface="Wingdings" panose="05000000000000000000" pitchFamily="2" charset="2"/>
+              <a:buChar char="Ø"/>
+            </a:pPr>
+            <a:r>
+              <a:rPr lang="en-US" b="0" dirty="0">
+                <a:solidFill>
+                  <a:schemeClr val="tx1"/>
+                </a:solidFill>
+                <a:effectLst/>
+              </a:rPr>
+              <a:t>People with Annual Income around 40K have higher number of loans defaulted</a:t>
+            </a:r>
+          </a:p>
+          <a:p>
+            <a:pPr>
+              <a:buFont typeface="Wingdings" panose="05000000000000000000" pitchFamily="2" charset="2"/>
+              <a:buChar char="Ø"/>
+            </a:pPr>
+            <a:endParaRPr lang="en-US" dirty="0">
+              <a:solidFill>
+                <a:schemeClr val="tx1"/>
+              </a:solidFill>
+            </a:endParaRPr>
+          </a:p>
+        </p:txBody>
+      </p:sp>
+      <p:pic>
+        <p:nvPicPr>
+          <p:cNvPr id="4" name="Picture 3">
+            <a:extLst>
+              <a:ext uri="{FF2B5EF4-FFF2-40B4-BE49-F238E27FC236}">
+                <a16:creationId xmlns:a16="http://schemas.microsoft.com/office/drawing/2014/main" id="{40FD7D10-90F6-4473-2C45-490960BB49B9}"/>
+              </a:ext>
+            </a:extLst>
+          </p:cNvPr>
+          <p:cNvPicPr>
+            <a:picLocks noChangeAspect="1"/>
+          </p:cNvPicPr>
+          <p:nvPr/>
+        </p:nvPicPr>
+        <p:blipFill>
+          <a:blip r:embed="rId2"/>
+          <a:stretch>
+            <a:fillRect/>
+          </a:stretch>
+        </p:blipFill>
+        <p:spPr>
+          <a:xfrm>
+            <a:off x="1097280" y="2059557"/>
+            <a:ext cx="3373828" cy="2416762"/>
+          </a:xfrm>
+          <a:prstGeom prst="rect">
+            <a:avLst/>
+          </a:prstGeom>
+        </p:spPr>
+      </p:pic>
+      <p:pic>
+        <p:nvPicPr>
+          <p:cNvPr id="8" name="Picture 7">
+            <a:extLst>
+              <a:ext uri="{FF2B5EF4-FFF2-40B4-BE49-F238E27FC236}">
+                <a16:creationId xmlns:a16="http://schemas.microsoft.com/office/drawing/2014/main" id="{9962F82F-CBA6-6731-317E-42F6DA023B14}"/>
+              </a:ext>
+            </a:extLst>
+          </p:cNvPr>
+          <p:cNvPicPr>
+            <a:picLocks noChangeAspect="1"/>
+          </p:cNvPicPr>
+          <p:nvPr/>
+        </p:nvPicPr>
+        <p:blipFill>
+          <a:blip r:embed="rId3"/>
+          <a:stretch>
+            <a:fillRect/>
+          </a:stretch>
+        </p:blipFill>
+        <p:spPr>
+          <a:xfrm>
+            <a:off x="4467079" y="2034551"/>
+            <a:ext cx="3829050" cy="2647950"/>
+          </a:xfrm>
+          <a:prstGeom prst="rect">
+            <a:avLst/>
+          </a:prstGeom>
+        </p:spPr>
+      </p:pic>
+      <p:pic>
+        <p:nvPicPr>
+          <p:cNvPr id="12" name="Picture 11">
+            <a:extLst>
+              <a:ext uri="{FF2B5EF4-FFF2-40B4-BE49-F238E27FC236}">
+                <a16:creationId xmlns:a16="http://schemas.microsoft.com/office/drawing/2014/main" id="{76DDE4DB-FADD-DFAC-3390-93BEA15A2B96}"/>
+              </a:ext>
+            </a:extLst>
+          </p:cNvPr>
+          <p:cNvPicPr>
+            <a:picLocks noChangeAspect="1"/>
+          </p:cNvPicPr>
+          <p:nvPr/>
+        </p:nvPicPr>
+        <p:blipFill>
+          <a:blip r:embed="rId4"/>
+          <a:stretch>
+            <a:fillRect/>
+          </a:stretch>
+        </p:blipFill>
+        <p:spPr>
+          <a:xfrm>
+            <a:off x="8296129" y="2011793"/>
+            <a:ext cx="2734376" cy="2834414"/>
+          </a:xfrm>
+          <a:prstGeom prst="rect">
+            <a:avLst/>
+          </a:prstGeom>
+        </p:spPr>
+      </p:pic>
+    </p:spTree>
+    <p:extLst>
+      <p:ext uri="{BB962C8B-B14F-4D97-AF65-F5344CB8AC3E}">
+        <p14:creationId xmlns:p14="http://schemas.microsoft.com/office/powerpoint/2010/main" val="4048143568"/>
+      </p:ext>
+    </p:extLst>
+  </p:cSld>
+  <p:clrMapOvr>
+    <a:masterClrMapping/>
+  </p:clrMapOvr>
+</p:sld>
+</file>
+
+<file path=ppt/slides/slide8.xml><?xml version="1.0" encoding="utf-8"?>
+<p:sld xmlns:a="http://schemas.openxmlformats.org/drawingml/2006/main" xmlns:r="http://schemas.openxmlformats.org/officeDocument/2006/relationships" xmlns:p="http://schemas.openxmlformats.org/presentationml/2006/main">
+  <p:cSld>
+    <p:spTree>
+      <p:nvGrpSpPr>
+        <p:cNvPr id="1" name=""/>
+        <p:cNvGrpSpPr/>
+        <p:nvPr/>
+      </p:nvGrpSpPr>
+      <p:grpSpPr>
+        <a:xfrm>
+          <a:off x="0" y="0"/>
+          <a:ext cx="0" cy="0"/>
+          <a:chOff x="0" y="0"/>
+          <a:chExt cx="0" cy="0"/>
+        </a:xfrm>
+      </p:grpSpPr>
+      <p:sp>
+        <p:nvSpPr>
+          <p:cNvPr id="2" name="Title 1">
+            <a:extLst>
+              <a:ext uri="{FF2B5EF4-FFF2-40B4-BE49-F238E27FC236}">
+                <a16:creationId xmlns:a16="http://schemas.microsoft.com/office/drawing/2014/main" id="{6927717E-E616-BBBF-2C5D-F69EF8CBC8A5}"/>
+              </a:ext>
+            </a:extLst>
+          </p:cNvPr>
+          <p:cNvSpPr>
+            <a:spLocks noGrp="1"/>
+          </p:cNvSpPr>
+          <p:nvPr>
+            <p:ph type="title"/>
+          </p:nvPr>
+        </p:nvSpPr>
+        <p:spPr/>
+        <p:txBody>
+          <a:bodyPr/>
+          <a:lstStyle/>
+          <a:p>
+            <a:r>
+              <a:rPr lang="en-US" dirty="0"/>
+              <a:t>Bivariate Analysis - Insights</a:t>
+            </a:r>
+          </a:p>
+        </p:txBody>
+      </p:sp>
+      <p:sp>
+        <p:nvSpPr>
+          <p:cNvPr id="3" name="Content Placeholder 2">
+            <a:extLst>
+              <a:ext uri="{FF2B5EF4-FFF2-40B4-BE49-F238E27FC236}">
+                <a16:creationId xmlns:a16="http://schemas.microsoft.com/office/drawing/2014/main" id="{BBA8BE73-6C34-9478-B78D-3B36823ED8BF}"/>
+              </a:ext>
+            </a:extLst>
+          </p:cNvPr>
+          <p:cNvSpPr>
+            <a:spLocks noGrp="1"/>
+          </p:cNvSpPr>
+          <p:nvPr>
+            <p:ph idx="1"/>
+          </p:nvPr>
+        </p:nvSpPr>
+        <p:spPr>
+          <a:xfrm>
+            <a:off x="1097280" y="2108201"/>
+            <a:ext cx="10058400" cy="1247073"/>
+          </a:xfrm>
+        </p:spPr>
+        <p:txBody>
+          <a:bodyPr/>
+          <a:lstStyle/>
+          <a:p>
+            <a:endParaRPr lang="en-US" dirty="0"/>
+          </a:p>
+        </p:txBody>
+      </p:sp>
+      <p:pic>
+        <p:nvPicPr>
+          <p:cNvPr id="5" name="Picture 4">
+            <a:extLst>
+              <a:ext uri="{FF2B5EF4-FFF2-40B4-BE49-F238E27FC236}">
+                <a16:creationId xmlns:a16="http://schemas.microsoft.com/office/drawing/2014/main" id="{5D255963-5DAE-E20C-8EED-625C2492DAAE}"/>
+              </a:ext>
+            </a:extLst>
+          </p:cNvPr>
+          <p:cNvPicPr>
+            <a:picLocks noChangeAspect="1"/>
+          </p:cNvPicPr>
+          <p:nvPr/>
+        </p:nvPicPr>
+        <p:blipFill>
+          <a:blip r:embed="rId2"/>
+          <a:stretch>
+            <a:fillRect/>
+          </a:stretch>
+        </p:blipFill>
+        <p:spPr>
+          <a:xfrm>
+            <a:off x="380735" y="1983674"/>
+            <a:ext cx="4479621" cy="2456885"/>
+          </a:xfrm>
+          <a:prstGeom prst="rect">
+            <a:avLst/>
+          </a:prstGeom>
+        </p:spPr>
+      </p:pic>
+      <p:pic>
+        <p:nvPicPr>
+          <p:cNvPr id="7" name="Picture 6">
+            <a:extLst>
+              <a:ext uri="{FF2B5EF4-FFF2-40B4-BE49-F238E27FC236}">
+                <a16:creationId xmlns:a16="http://schemas.microsoft.com/office/drawing/2014/main" id="{77F3BA78-5740-4CE8-6E45-D9E36FD39F45}"/>
+              </a:ext>
+            </a:extLst>
+          </p:cNvPr>
+          <p:cNvPicPr>
+            <a:picLocks noChangeAspect="1"/>
+          </p:cNvPicPr>
+          <p:nvPr/>
+        </p:nvPicPr>
+        <p:blipFill>
+          <a:blip r:embed="rId3"/>
+          <a:stretch>
+            <a:fillRect/>
+          </a:stretch>
+        </p:blipFill>
+        <p:spPr>
+          <a:xfrm>
+            <a:off x="7820025" y="1983674"/>
+            <a:ext cx="4371975" cy="2743200"/>
+          </a:xfrm>
+          <a:prstGeom prst="rect">
+            <a:avLst/>
+          </a:prstGeom>
+        </p:spPr>
+      </p:pic>
+      <p:pic>
+        <p:nvPicPr>
+          <p:cNvPr id="11" name="Picture 10">
+            <a:extLst>
+              <a:ext uri="{FF2B5EF4-FFF2-40B4-BE49-F238E27FC236}">
+                <a16:creationId xmlns:a16="http://schemas.microsoft.com/office/drawing/2014/main" id="{D9DFD9C2-D156-2499-523C-3A4A9ABCFB69}"/>
+              </a:ext>
+            </a:extLst>
+          </p:cNvPr>
+          <p:cNvPicPr>
+            <a:picLocks noChangeAspect="1"/>
+          </p:cNvPicPr>
+          <p:nvPr/>
+        </p:nvPicPr>
+        <p:blipFill>
+          <a:blip r:embed="rId4"/>
+          <a:stretch>
+            <a:fillRect/>
+          </a:stretch>
+        </p:blipFill>
+        <p:spPr>
+          <a:xfrm>
+            <a:off x="4629150" y="1911246"/>
+            <a:ext cx="3190875" cy="2743200"/>
+          </a:xfrm>
+          <a:prstGeom prst="rect">
+            <a:avLst/>
+          </a:prstGeom>
+        </p:spPr>
+      </p:pic>
+      <p:sp>
+        <p:nvSpPr>
+          <p:cNvPr id="12" name="Content Placeholder 12">
+            <a:extLst>
+              <a:ext uri="{FF2B5EF4-FFF2-40B4-BE49-F238E27FC236}">
+                <a16:creationId xmlns:a16="http://schemas.microsoft.com/office/drawing/2014/main" id="{9888911A-24B3-F7E4-0768-F1A3E20F7C69}"/>
+              </a:ext>
+            </a:extLst>
+          </p:cNvPr>
+          <p:cNvSpPr txBox="1">
+            <a:spLocks/>
+          </p:cNvSpPr>
+          <p:nvPr/>
+        </p:nvSpPr>
+        <p:spPr>
+          <a:xfrm>
+            <a:off x="380735" y="4565086"/>
+            <a:ext cx="10514859" cy="1612545"/>
+          </a:xfrm>
+          <a:prstGeom prst="rect">
+            <a:avLst/>
+          </a:prstGeom>
+        </p:spPr>
+        <p:txBody>
+          <a:bodyPr vert="horz" lIns="0" tIns="45720" rIns="0" bIns="45720" rtlCol="0">
+            <a:normAutofit fontScale="85000" lnSpcReduction="20000"/>
+          </a:bodyPr>
+          <a:lstStyle>
+            <a:lvl1pPr marL="91440" indent="-91440" algn="l" defTabSz="914400" rtl="0" eaLnBrk="1" latinLnBrk="0" hangingPunct="1">
+              <a:lnSpc>
+                <a:spcPct val="110000"/>
+              </a:lnSpc>
+              <a:spcBef>
+                <a:spcPts val="1200"/>
+              </a:spcBef>
+              <a:spcAft>
+                <a:spcPts val="200"/>
+              </a:spcAft>
+              <a:buClr>
+                <a:schemeClr val="accent1"/>
+              </a:buClr>
+              <a:buSzPct val="100000"/>
+              <a:buFont typeface="Calibri" panose="020F0502020204030204" pitchFamily="34" charset="0"/>
+              <a:buChar char=" "/>
+              <a:defRPr sz="1900" kern="1200">
+                <a:solidFill>
+                  <a:schemeClr val="tx1">
+                    <a:lumMod val="75000"/>
+                    <a:lumOff val="25000"/>
+                  </a:schemeClr>
+                </a:solidFill>
+                <a:latin typeface="+mn-lt"/>
+                <a:ea typeface="+mn-ea"/>
+                <a:cs typeface="+mn-cs"/>
+              </a:defRPr>
+            </a:lvl1pPr>
+            <a:lvl2pPr marL="384048" indent="-182880" algn="l" defTabSz="914400" rtl="0" eaLnBrk="1" latinLnBrk="0" hangingPunct="1">
+              <a:lnSpc>
+                <a:spcPct val="100000"/>
+              </a:lnSpc>
+              <a:spcBef>
+                <a:spcPts val="200"/>
+              </a:spcBef>
+              <a:spcAft>
+                <a:spcPts val="400"/>
+              </a:spcAft>
+              <a:buClrTx/>
+              <a:buFont typeface="Calibri" pitchFamily="34" charset="0"/>
+              <a:buChar char="◦"/>
+              <a:defRPr sz="1700" kern="1200">
+                <a:solidFill>
+                  <a:schemeClr val="tx1">
+                    <a:lumMod val="75000"/>
+                    <a:lumOff val="25000"/>
+                  </a:schemeClr>
+                </a:solidFill>
+                <a:latin typeface="+mn-lt"/>
+                <a:ea typeface="+mn-ea"/>
+                <a:cs typeface="+mn-cs"/>
+              </a:defRPr>
+            </a:lvl2pPr>
+            <a:lvl3pPr marL="566928" indent="-182880" algn="l" defTabSz="914400" rtl="0" eaLnBrk="1" latinLnBrk="0" hangingPunct="1">
+              <a:lnSpc>
+                <a:spcPct val="100000"/>
+              </a:lnSpc>
+              <a:spcBef>
+                <a:spcPts val="200"/>
+              </a:spcBef>
+              <a:spcAft>
+                <a:spcPts val="400"/>
+              </a:spcAft>
+              <a:buClrTx/>
+              <a:buFont typeface="Calibri" pitchFamily="34" charset="0"/>
+              <a:buChar char="◦"/>
+              <a:defRPr sz="1300" kern="1200">
+                <a:solidFill>
+                  <a:schemeClr val="tx1">
+                    <a:lumMod val="75000"/>
+                    <a:lumOff val="25000"/>
+                  </a:schemeClr>
+                </a:solidFill>
+                <a:latin typeface="+mn-lt"/>
+                <a:ea typeface="+mn-ea"/>
+                <a:cs typeface="+mn-cs"/>
+              </a:defRPr>
+            </a:lvl3pPr>
+            <a:lvl4pPr marL="749808" indent="-182880" algn="l" defTabSz="914400" rtl="0" eaLnBrk="1" latinLnBrk="0" hangingPunct="1">
+              <a:lnSpc>
+                <a:spcPct val="100000"/>
+              </a:lnSpc>
+              <a:spcBef>
+                <a:spcPts val="200"/>
+              </a:spcBef>
+              <a:spcAft>
+                <a:spcPts val="400"/>
+              </a:spcAft>
+              <a:buClrTx/>
+              <a:buFont typeface="Calibri" pitchFamily="34" charset="0"/>
+              <a:buChar char="◦"/>
+              <a:defRPr sz="1300" kern="1200">
+                <a:solidFill>
+                  <a:schemeClr val="tx1">
+                    <a:lumMod val="75000"/>
+                    <a:lumOff val="25000"/>
+                  </a:schemeClr>
+                </a:solidFill>
+                <a:latin typeface="+mn-lt"/>
+                <a:ea typeface="+mn-ea"/>
+                <a:cs typeface="+mn-cs"/>
+              </a:defRPr>
+            </a:lvl4pPr>
+            <a:lvl5pPr marL="932688" indent="-182880" algn="l" defTabSz="914400" rtl="0" eaLnBrk="1" latinLnBrk="0" hangingPunct="1">
+              <a:lnSpc>
+                <a:spcPct val="100000"/>
+              </a:lnSpc>
+              <a:spcBef>
+                <a:spcPts val="200"/>
+              </a:spcBef>
+              <a:spcAft>
+                <a:spcPts val="400"/>
+              </a:spcAft>
+              <a:buClrTx/>
+              <a:buFont typeface="Calibri" pitchFamily="34" charset="0"/>
+              <a:buChar char="◦"/>
+              <a:defRPr sz="1300" kern="1200">
+                <a:solidFill>
+                  <a:schemeClr val="tx1">
+                    <a:lumMod val="75000"/>
+                    <a:lumOff val="25000"/>
+                  </a:schemeClr>
+                </a:solidFill>
+                <a:latin typeface="+mn-lt"/>
+                <a:ea typeface="+mn-ea"/>
+                <a:cs typeface="+mn-cs"/>
+              </a:defRPr>
+            </a:lvl5pPr>
+            <a:lvl6pPr marL="1100000" indent="-228600" algn="l" defTabSz="914400" rtl="0" eaLnBrk="1" latinLnBrk="0" hangingPunct="1">
+              <a:lnSpc>
+                <a:spcPct val="90000"/>
+              </a:lnSpc>
+              <a:spcBef>
+                <a:spcPts val="200"/>
+              </a:spcBef>
+              <a:spcAft>
+                <a:spcPts val="400"/>
+              </a:spcAft>
+              <a:buClr>
+                <a:schemeClr val="accent1"/>
+              </a:buClr>
+              <a:buFont typeface="Calibri" pitchFamily="34" charset="0"/>
+              <a:buChar char="◦"/>
+              <a:defRPr sz="1400" kern="1200">
+                <a:solidFill>
+                  <a:schemeClr val="tx1">
+                    <a:lumMod val="75000"/>
+                    <a:lumOff val="25000"/>
+                  </a:schemeClr>
+                </a:solidFill>
+                <a:latin typeface="+mn-lt"/>
+                <a:ea typeface="+mn-ea"/>
+                <a:cs typeface="+mn-cs"/>
+              </a:defRPr>
+            </a:lvl6pPr>
+            <a:lvl7pPr marL="1300000" indent="-228600" algn="l" defTabSz="914400" rtl="0" eaLnBrk="1" latinLnBrk="0" hangingPunct="1">
+              <a:lnSpc>
+                <a:spcPct val="90000"/>
+              </a:lnSpc>
+              <a:spcBef>
+                <a:spcPts val="200"/>
+              </a:spcBef>
+              <a:spcAft>
+                <a:spcPts val="400"/>
+              </a:spcAft>
+              <a:buClr>
+                <a:schemeClr val="accent1"/>
+              </a:buClr>
+              <a:buFont typeface="Calibri" pitchFamily="34" charset="0"/>
+              <a:buChar char="◦"/>
+              <a:defRPr sz="1400" kern="1200">
+                <a:solidFill>
+                  <a:schemeClr val="tx1">
+                    <a:lumMod val="75000"/>
+                    <a:lumOff val="25000"/>
+                  </a:schemeClr>
+                </a:solidFill>
+                <a:latin typeface="+mn-lt"/>
+                <a:ea typeface="+mn-ea"/>
+                <a:cs typeface="+mn-cs"/>
+              </a:defRPr>
+            </a:lvl7pPr>
+            <a:lvl8pPr marL="1500000" indent="-228600" algn="l" defTabSz="914400" rtl="0" eaLnBrk="1" latinLnBrk="0" hangingPunct="1">
+              <a:lnSpc>
+                <a:spcPct val="90000"/>
+              </a:lnSpc>
+              <a:spcBef>
+                <a:spcPts val="200"/>
+              </a:spcBef>
+              <a:spcAft>
+                <a:spcPts val="400"/>
+              </a:spcAft>
+              <a:buClr>
+                <a:schemeClr val="accent1"/>
+              </a:buClr>
+              <a:buFont typeface="Calibri" pitchFamily="34" charset="0"/>
+              <a:buChar char="◦"/>
+              <a:defRPr sz="1400" kern="1200">
+                <a:solidFill>
+                  <a:schemeClr val="tx1">
+                    <a:lumMod val="75000"/>
+                    <a:lumOff val="25000"/>
+                  </a:schemeClr>
+                </a:solidFill>
+                <a:latin typeface="+mn-lt"/>
+                <a:ea typeface="+mn-ea"/>
+                <a:cs typeface="+mn-cs"/>
+              </a:defRPr>
+            </a:lvl8pPr>
+            <a:lvl9pPr marL="1700000" indent="-228600" algn="l" defTabSz="914400" rtl="0" eaLnBrk="1" latinLnBrk="0" hangingPunct="1">
+              <a:lnSpc>
+                <a:spcPct val="90000"/>
+              </a:lnSpc>
+              <a:spcBef>
+                <a:spcPts val="200"/>
+              </a:spcBef>
+              <a:spcAft>
+                <a:spcPts val="400"/>
+              </a:spcAft>
+              <a:buClr>
+                <a:schemeClr val="accent1"/>
+              </a:buClr>
+              <a:buFont typeface="Calibri" pitchFamily="34" charset="0"/>
+              <a:buChar char="◦"/>
+              <a:defRPr sz="1400" kern="1200">
+                <a:solidFill>
+                  <a:schemeClr val="tx1">
+                    <a:lumMod val="75000"/>
+                    <a:lumOff val="25000"/>
+                  </a:schemeClr>
+                </a:solidFill>
+                <a:latin typeface="+mn-lt"/>
+                <a:ea typeface="+mn-ea"/>
+                <a:cs typeface="+mn-cs"/>
+              </a:defRPr>
+            </a:lvl9pPr>
+          </a:lstStyle>
+          <a:p>
+            <a:pPr>
+              <a:buFont typeface="Wingdings" panose="05000000000000000000" pitchFamily="2" charset="2"/>
+              <a:buChar char="Ø"/>
+            </a:pPr>
+            <a:r>
+              <a:rPr lang="en-US" b="0" dirty="0">
+                <a:solidFill>
+                  <a:schemeClr val="tx1"/>
+                </a:solidFill>
+                <a:effectLst/>
+              </a:rPr>
+              <a:t>There is higher interest rate for the small business, debt consolidation ,medical &amp; house.</a:t>
+            </a:r>
+          </a:p>
+          <a:p>
+            <a:pPr>
+              <a:buFont typeface="Wingdings" panose="05000000000000000000" pitchFamily="2" charset="2"/>
+              <a:buChar char="Ø"/>
+            </a:pPr>
+            <a:r>
+              <a:rPr lang="en-US" b="0" dirty="0">
+                <a:solidFill>
+                  <a:schemeClr val="tx1"/>
+                </a:solidFill>
+                <a:effectLst/>
+              </a:rPr>
+              <a:t> Debt Consolidation have higher interest rate as well from previous graph they have higher charge off.</a:t>
+            </a:r>
+          </a:p>
+          <a:p>
+            <a:pPr>
+              <a:buFont typeface="Wingdings" panose="05000000000000000000" pitchFamily="2" charset="2"/>
+              <a:buChar char="Ø"/>
+            </a:pPr>
+            <a:r>
+              <a:rPr lang="en-US" b="0" dirty="0">
+                <a:solidFill>
+                  <a:schemeClr val="tx1"/>
+                </a:solidFill>
+                <a:effectLst/>
+              </a:rPr>
+              <a:t>Defaulters are within 20% across all DTI Range</a:t>
+            </a:r>
+          </a:p>
+          <a:p>
+            <a:pPr>
+              <a:buFont typeface="Wingdings" panose="05000000000000000000" pitchFamily="2" charset="2"/>
+              <a:buChar char="Ø"/>
+            </a:pPr>
+            <a:r>
+              <a:rPr lang="en-US" b="0" dirty="0">
+                <a:solidFill>
+                  <a:schemeClr val="tx1"/>
+                </a:solidFill>
+                <a:effectLst/>
+              </a:rPr>
+              <a:t>Defaulters increase as the Interest Rate increases</a:t>
+            </a:r>
+          </a:p>
+          <a:p>
+            <a:pPr>
+              <a:buFont typeface="Wingdings" panose="05000000000000000000" pitchFamily="2" charset="2"/>
+              <a:buChar char="Ø"/>
+            </a:pPr>
+            <a:endParaRPr lang="en-US" b="0" dirty="0">
+              <a:solidFill>
+                <a:schemeClr val="tx1"/>
+              </a:solidFill>
+              <a:effectLst/>
+            </a:endParaRPr>
+          </a:p>
+          <a:p>
+            <a:pPr>
+              <a:buFont typeface="Wingdings" panose="05000000000000000000" pitchFamily="2" charset="2"/>
+              <a:buChar char="Ø"/>
+            </a:pPr>
+            <a:endParaRPr lang="en-US" b="0" dirty="0">
+              <a:solidFill>
+                <a:schemeClr val="tx1"/>
+              </a:solidFill>
+              <a:effectLst/>
+            </a:endParaRPr>
+          </a:p>
+          <a:p>
+            <a:pPr>
+              <a:buFont typeface="Wingdings" panose="05000000000000000000" pitchFamily="2" charset="2"/>
+              <a:buChar char="Ø"/>
+            </a:pPr>
+            <a:endParaRPr lang="en-US" dirty="0">
+              <a:solidFill>
+                <a:schemeClr val="tx1"/>
+              </a:solidFill>
+            </a:endParaRPr>
+          </a:p>
+        </p:txBody>
+      </p:sp>
+    </p:spTree>
+    <p:extLst>
+      <p:ext uri="{BB962C8B-B14F-4D97-AF65-F5344CB8AC3E}">
+        <p14:creationId xmlns:p14="http://schemas.microsoft.com/office/powerpoint/2010/main" val="2423108876"/>
+      </p:ext>
+    </p:extLst>
+  </p:cSld>
+  <p:clrMapOvr>
+    <a:masterClrMapping/>
+  </p:clrMapOvr>
+</p:sld>
+</file>
+
+<file path=ppt/slides/slide9.xml><?xml version="1.0" encoding="utf-8"?>
+<p:sld xmlns:a="http://schemas.openxmlformats.org/drawingml/2006/main" xmlns:r="http://schemas.openxmlformats.org/officeDocument/2006/relationships" xmlns:p="http://schemas.openxmlformats.org/presentationml/2006/main">
+  <p:cSld>
+    <p:spTree>
+      <p:nvGrpSpPr>
+        <p:cNvPr id="1" name=""/>
+        <p:cNvGrpSpPr/>
+        <p:nvPr/>
+      </p:nvGrpSpPr>
+      <p:grpSpPr>
+        <a:xfrm>
+          <a:off x="0" y="0"/>
+          <a:ext cx="0" cy="0"/>
+          <a:chOff x="0" y="0"/>
+          <a:chExt cx="0" cy="0"/>
+        </a:xfrm>
+      </p:grpSpPr>
+      <p:sp>
+        <p:nvSpPr>
+          <p:cNvPr id="2" name="Title 1">
+            <a:extLst>
+              <a:ext uri="{FF2B5EF4-FFF2-40B4-BE49-F238E27FC236}">
+                <a16:creationId xmlns:a16="http://schemas.microsoft.com/office/drawing/2014/main" id="{6927717E-E616-BBBF-2C5D-F69EF8CBC8A5}"/>
+              </a:ext>
+            </a:extLst>
+          </p:cNvPr>
+          <p:cNvSpPr>
+            <a:spLocks noGrp="1"/>
+          </p:cNvSpPr>
+          <p:nvPr>
+            <p:ph type="title"/>
+          </p:nvPr>
+        </p:nvSpPr>
+        <p:spPr/>
+        <p:txBody>
+          <a:bodyPr/>
+          <a:lstStyle/>
+          <a:p>
+            <a:r>
+              <a:rPr lang="en-US" dirty="0"/>
+              <a:t>Bivariate Analysis - Insights</a:t>
+            </a:r>
+          </a:p>
+        </p:txBody>
+      </p:sp>
+      <p:sp>
+        <p:nvSpPr>
+          <p:cNvPr id="3" name="Content Placeholder 2">
+            <a:extLst>
+              <a:ext uri="{FF2B5EF4-FFF2-40B4-BE49-F238E27FC236}">
+                <a16:creationId xmlns:a16="http://schemas.microsoft.com/office/drawing/2014/main" id="{BBA8BE73-6C34-9478-B78D-3B36823ED8BF}"/>
+              </a:ext>
+            </a:extLst>
+          </p:cNvPr>
+          <p:cNvSpPr>
+            <a:spLocks noGrp="1"/>
+          </p:cNvSpPr>
+          <p:nvPr>
+            <p:ph idx="1"/>
+          </p:nvPr>
+        </p:nvSpPr>
+        <p:spPr>
+          <a:xfrm>
+            <a:off x="1036320" y="4644557"/>
+            <a:ext cx="10058400" cy="1247073"/>
+          </a:xfrm>
+        </p:spPr>
+        <p:txBody>
+          <a:bodyPr>
+            <a:normAutofit/>
+          </a:bodyPr>
+          <a:lstStyle/>
+          <a:p>
+            <a:pPr>
+              <a:buFont typeface="Wingdings" panose="05000000000000000000" pitchFamily="2" charset="2"/>
+              <a:buChar char="Ø"/>
+            </a:pPr>
+            <a:r>
+              <a:rPr lang="en-US" b="0" dirty="0">
+                <a:solidFill>
+                  <a:schemeClr val="tx1"/>
+                </a:solidFill>
+                <a:effectLst/>
+              </a:rPr>
+              <a:t>Charged Off percentage is within 20 % across all regions</a:t>
+            </a:r>
+          </a:p>
+          <a:p>
+            <a:pPr>
+              <a:buFont typeface="Wingdings" panose="05000000000000000000" pitchFamily="2" charset="2"/>
+              <a:buChar char="Ø"/>
+            </a:pPr>
+            <a:r>
+              <a:rPr lang="en-US" b="0" dirty="0">
+                <a:solidFill>
+                  <a:schemeClr val="tx1"/>
+                </a:solidFill>
+                <a:effectLst/>
+              </a:rPr>
+              <a:t> Defaulters looks high in both of loan amount range i.e. lower (&lt;5K) and higher end (&gt;13K)</a:t>
+            </a:r>
+          </a:p>
+          <a:p>
+            <a:pPr>
+              <a:buFont typeface="Wingdings" panose="05000000000000000000" pitchFamily="2" charset="2"/>
+              <a:buChar char="Ø"/>
+            </a:pPr>
+            <a:endParaRPr lang="en-US" b="0" dirty="0">
+              <a:solidFill>
+                <a:schemeClr val="tx1"/>
+              </a:solidFill>
+              <a:effectLst/>
+            </a:endParaRPr>
+          </a:p>
+          <a:p>
+            <a:endParaRPr lang="en-US" dirty="0"/>
+          </a:p>
+        </p:txBody>
+      </p:sp>
+      <p:pic>
+        <p:nvPicPr>
+          <p:cNvPr id="6" name="Picture 5">
+            <a:extLst>
+              <a:ext uri="{FF2B5EF4-FFF2-40B4-BE49-F238E27FC236}">
+                <a16:creationId xmlns:a16="http://schemas.microsoft.com/office/drawing/2014/main" id="{B2EC9202-5A8A-13B4-4A91-87D137CCE3F2}"/>
+              </a:ext>
+            </a:extLst>
+          </p:cNvPr>
+          <p:cNvPicPr>
+            <a:picLocks noChangeAspect="1"/>
+          </p:cNvPicPr>
+          <p:nvPr/>
+        </p:nvPicPr>
+        <p:blipFill>
+          <a:blip r:embed="rId2"/>
+          <a:stretch>
+            <a:fillRect/>
+          </a:stretch>
+        </p:blipFill>
+        <p:spPr>
+          <a:xfrm>
+            <a:off x="1214855" y="2100973"/>
+            <a:ext cx="3951944" cy="2543584"/>
+          </a:xfrm>
+          <a:prstGeom prst="rect">
+            <a:avLst/>
+          </a:prstGeom>
+        </p:spPr>
+      </p:pic>
+      <p:pic>
+        <p:nvPicPr>
+          <p:cNvPr id="14" name="Picture 13">
+            <a:extLst>
+              <a:ext uri="{FF2B5EF4-FFF2-40B4-BE49-F238E27FC236}">
+                <a16:creationId xmlns:a16="http://schemas.microsoft.com/office/drawing/2014/main" id="{7EB55EE2-6738-2284-DCB7-767619B0147A}"/>
+              </a:ext>
+            </a:extLst>
+          </p:cNvPr>
+          <p:cNvPicPr>
+            <a:picLocks noChangeAspect="1"/>
+          </p:cNvPicPr>
+          <p:nvPr/>
+        </p:nvPicPr>
+        <p:blipFill>
+          <a:blip r:embed="rId3"/>
+          <a:stretch>
+            <a:fillRect/>
+          </a:stretch>
+        </p:blipFill>
+        <p:spPr>
+          <a:xfrm>
+            <a:off x="6065520" y="2224686"/>
+            <a:ext cx="4002764" cy="2257373"/>
+          </a:xfrm>
+          <a:prstGeom prst="rect">
+            <a:avLst/>
+          </a:prstGeom>
+        </p:spPr>
+      </p:pic>
+    </p:spTree>
+    <p:extLst>
+      <p:ext uri="{BB962C8B-B14F-4D97-AF65-F5344CB8AC3E}">
+        <p14:creationId xmlns:p14="http://schemas.microsoft.com/office/powerpoint/2010/main" val="1693994303"/>
       </p:ext>
     </p:extLst>
   </p:cSld>
@@ -4928,42 +7005,42 @@
 
 <file path=ppt/theme/themeOverride2.xml><?xml version="1.0" encoding="utf-8"?>
 <a:themeOverride xmlns:a="http://schemas.openxmlformats.org/drawingml/2006/main">
-  <a:clrScheme name="Parcel">
+  <a:clrScheme name="Custom 34">
     <a:dk1>
-      <a:srgbClr val="000000"/>
+      <a:sysClr val="windowText" lastClr="000000"/>
     </a:dk1>
     <a:lt1>
-      <a:srgbClr val="FFFFFF"/>
+      <a:sysClr val="window" lastClr="FFFFFF"/>
     </a:lt1>
     <a:dk2>
-      <a:srgbClr val="4A5356"/>
+      <a:srgbClr val="39302A"/>
     </a:dk2>
     <a:lt2>
-      <a:srgbClr val="E8E3CE"/>
+      <a:srgbClr val="E5DEDB"/>
     </a:lt2>
     <a:accent1>
-      <a:srgbClr val="F6A21D"/>
+      <a:srgbClr val="EC7016"/>
     </a:accent1>
     <a:accent2>
-      <a:srgbClr val="9BAFB5"/>
+      <a:srgbClr val="F8931D"/>
     </a:accent2>
     <a:accent3>
-      <a:srgbClr val="C96731"/>
+      <a:srgbClr val="CE8D3E"/>
     </a:accent3>
     <a:accent4>
-      <a:srgbClr val="9CA383"/>
+      <a:srgbClr val="E64823"/>
     </a:accent4>
     <a:accent5>
-      <a:srgbClr val="87795D"/>
+      <a:srgbClr val="FFCA08"/>
     </a:accent5>
     <a:accent6>
-      <a:srgbClr val="A0988C"/>
+      <a:srgbClr val="9C6A6A"/>
     </a:accent6>
     <a:hlink>
-      <a:srgbClr val="00B0F0"/>
+      <a:srgbClr val="2998E3"/>
     </a:hlink>
     <a:folHlink>
-      <a:srgbClr val="738F97"/>
+      <a:srgbClr val="7F723D"/>
     </a:folHlink>
   </a:clrScheme>
 </a:themeOverride>
@@ -5211,9 +7288,16 @@
 <file path=customXml/itemProps1.xml><?xml version="1.0" encoding="utf-8"?>
 <ds:datastoreItem xmlns:ds="http://schemas.openxmlformats.org/officeDocument/2006/customXml" ds:itemID="{A03EEFF0-FB57-4CB4-8BFC-DF397689E2ED}">
   <ds:schemaRefs>
+    <ds:schemaRef ds:uri="http://schemas.microsoft.com/office/2006/documentManagement/types"/>
+    <ds:schemaRef ds:uri="71af3243-3dd4-4a8d-8c0d-dd76da1f02a5"/>
+    <ds:schemaRef ds:uri="16c05727-aa75-4e4a-9b5f-8a80a1165891"/>
+    <ds:schemaRef ds:uri="http://schemas.openxmlformats.org/package/2006/metadata/core-properties"/>
+    <ds:schemaRef ds:uri="http://purl.org/dc/elements/1.1/"/>
+    <ds:schemaRef ds:uri="http://purl.org/dc/dcmitype/"/>
+    <ds:schemaRef ds:uri="http://www.w3.org/XML/1998/namespace"/>
+    <ds:schemaRef ds:uri="http://schemas.microsoft.com/office/infopath/2007/PartnerControls"/>
     <ds:schemaRef ds:uri="http://schemas.microsoft.com/office/2006/metadata/properties"/>
-    <ds:schemaRef ds:uri="http://schemas.microsoft.com/office/infopath/2007/PartnerControls"/>
-    <ds:schemaRef ds:uri="71af3243-3dd4-4a8d-8c0d-dd76da1f02a5"/>
+    <ds:schemaRef ds:uri="http://purl.org/dc/terms/"/>
   </ds:schemaRefs>
 </ds:datastoreItem>
 </file>
